--- a/vcs/fig/fig.pptx
+++ b/vcs/fig/fig.pptx
@@ -6,6 +6,7 @@
   </p:sldMasterIdLst>
   <p:sldIdLst>
     <p:sldId id="256" r:id="rId2"/>
+    <p:sldId id="257" r:id="rId3"/>
   </p:sldIdLst>
   <p:sldSz cx="9144000" cy="6858000" type="screen4x3"/>
   <p:notesSz cx="6858000" cy="9144000"/>
@@ -1351,6 +1352,2651 @@
 </p:sld>
 </file>
 
+<file path=ppt/slides/slide2.xml><?xml version="1.0" encoding="utf-8"?>
+<p:sld xmlns:a="http://schemas.openxmlformats.org/drawingml/2006/main" xmlns:r="http://schemas.openxmlformats.org/officeDocument/2006/relationships" xmlns:p="http://schemas.openxmlformats.org/presentationml/2006/main">
+  <p:cSld>
+    <p:spTree>
+      <p:nvGrpSpPr>
+        <p:cNvPr id="1" name=""/>
+        <p:cNvGrpSpPr/>
+        <p:nvPr/>
+      </p:nvGrpSpPr>
+      <p:grpSpPr>
+        <a:xfrm>
+          <a:off x="0" y="0"/>
+          <a:ext cx="0" cy="0"/>
+          <a:chOff x="0" y="0"/>
+          <a:chExt cx="0" cy="0"/>
+        </a:xfrm>
+      </p:grpSpPr>
+      <p:pic>
+        <p:nvPicPr>
+          <p:cNvPr id="1026" name="Picture 2" descr="パソコンを使う会社員のイラスト（男性・笑顔）">
+            <a:extLst>
+              <a:ext uri="{FF2B5EF4-FFF2-40B4-BE49-F238E27FC236}">
+                <a16:creationId xmlns:a16="http://schemas.microsoft.com/office/drawing/2014/main" id="{64FE3331-7B46-4DB9-A70F-C16E32C61C67}"/>
+              </a:ext>
+            </a:extLst>
+          </p:cNvPr>
+          <p:cNvPicPr>
+            <a:picLocks noChangeAspect="1" noChangeArrowheads="1"/>
+          </p:cNvPicPr>
+          <p:nvPr/>
+        </p:nvPicPr>
+        <p:blipFill>
+          <a:blip r:embed="rId2" cstate="print">
+            <a:extLst>
+              <a:ext uri="{28A0092B-C50C-407E-A947-70E740481C1C}">
+                <a14:useLocalDpi xmlns:a14="http://schemas.microsoft.com/office/drawing/2010/main" val="0"/>
+              </a:ext>
+            </a:extLst>
+          </a:blip>
+          <a:srcRect/>
+          <a:stretch>
+            <a:fillRect/>
+          </a:stretch>
+        </p:blipFill>
+        <p:spPr bwMode="auto">
+          <a:xfrm>
+            <a:off x="827584" y="1988840"/>
+            <a:ext cx="850267" cy="1234827"/>
+          </a:xfrm>
+          <a:prstGeom prst="rect">
+            <a:avLst/>
+          </a:prstGeom>
+          <a:noFill/>
+          <a:extLst>
+            <a:ext uri="{909E8E84-426E-40DD-AFC4-6F175D3DCCD1}">
+              <a14:hiddenFill xmlns:a14="http://schemas.microsoft.com/office/drawing/2010/main">
+                <a:solidFill>
+                  <a:srgbClr val="FFFFFF"/>
+                </a:solidFill>
+              </a14:hiddenFill>
+            </a:ext>
+          </a:extLst>
+        </p:spPr>
+      </p:pic>
+      <p:grpSp>
+        <p:nvGrpSpPr>
+          <p:cNvPr id="11" name="グループ化 10">
+            <a:extLst>
+              <a:ext uri="{FF2B5EF4-FFF2-40B4-BE49-F238E27FC236}">
+                <a16:creationId xmlns:a16="http://schemas.microsoft.com/office/drawing/2014/main" id="{6DE62877-D4D5-4289-B83E-424EC8124F43}"/>
+              </a:ext>
+            </a:extLst>
+          </p:cNvPr>
+          <p:cNvGrpSpPr/>
+          <p:nvPr/>
+        </p:nvGrpSpPr>
+        <p:grpSpPr>
+          <a:xfrm>
+            <a:off x="1259632" y="3573016"/>
+            <a:ext cx="518457" cy="648072"/>
+            <a:chOff x="1691680" y="3429000"/>
+            <a:chExt cx="1440160" cy="1800200"/>
+          </a:xfrm>
+        </p:grpSpPr>
+        <p:sp>
+          <p:nvSpPr>
+            <p:cNvPr id="2" name="楕円 1">
+              <a:extLst>
+                <a:ext uri="{FF2B5EF4-FFF2-40B4-BE49-F238E27FC236}">
+                  <a16:creationId xmlns:a16="http://schemas.microsoft.com/office/drawing/2014/main" id="{349C0575-4DAE-448B-BC63-3542268602C7}"/>
+                </a:ext>
+              </a:extLst>
+            </p:cNvPr>
+            <p:cNvSpPr/>
+            <p:nvPr/>
+          </p:nvSpPr>
+          <p:spPr>
+            <a:xfrm>
+              <a:off x="1691680" y="3429000"/>
+              <a:ext cx="1440160" cy="720080"/>
+            </a:xfrm>
+            <a:prstGeom prst="ellipse">
+              <a:avLst/>
+            </a:prstGeom>
+            <a:noFill/>
+            <a:ln>
+              <a:solidFill>
+                <a:schemeClr val="tx1"/>
+              </a:solidFill>
+            </a:ln>
+          </p:spPr>
+          <p:style>
+            <a:lnRef idx="2">
+              <a:schemeClr val="accent1">
+                <a:shade val="50000"/>
+              </a:schemeClr>
+            </a:lnRef>
+            <a:fillRef idx="1">
+              <a:schemeClr val="accent1"/>
+            </a:fillRef>
+            <a:effectRef idx="0">
+              <a:schemeClr val="accent1"/>
+            </a:effectRef>
+            <a:fontRef idx="minor">
+              <a:schemeClr val="lt1"/>
+            </a:fontRef>
+          </p:style>
+          <p:txBody>
+            <a:bodyPr rtlCol="0" anchor="ctr"/>
+            <a:lstStyle/>
+            <a:p>
+              <a:pPr algn="ctr"/>
+              <a:endParaRPr kumimoji="1" lang="ja-JP" altLang="en-US"/>
+            </a:p>
+          </p:txBody>
+        </p:sp>
+        <p:sp>
+          <p:nvSpPr>
+            <p:cNvPr id="4" name="円弧 3">
+              <a:extLst>
+                <a:ext uri="{FF2B5EF4-FFF2-40B4-BE49-F238E27FC236}">
+                  <a16:creationId xmlns:a16="http://schemas.microsoft.com/office/drawing/2014/main" id="{AA7CE9F3-AE27-4CD7-8ED3-B49C922F568A}"/>
+                </a:ext>
+              </a:extLst>
+            </p:cNvPr>
+            <p:cNvSpPr/>
+            <p:nvPr/>
+          </p:nvSpPr>
+          <p:spPr>
+            <a:xfrm rot="5400000">
+              <a:off x="2051720" y="3429000"/>
+              <a:ext cx="720080" cy="1440160"/>
+            </a:xfrm>
+            <a:prstGeom prst="arc">
+              <a:avLst>
+                <a:gd name="adj1" fmla="val 16200000"/>
+                <a:gd name="adj2" fmla="val 5298501"/>
+              </a:avLst>
+            </a:prstGeom>
+            <a:ln w="12700">
+              <a:solidFill>
+                <a:schemeClr val="tx1"/>
+              </a:solidFill>
+            </a:ln>
+          </p:spPr>
+          <p:style>
+            <a:lnRef idx="1">
+              <a:schemeClr val="accent1"/>
+            </a:lnRef>
+            <a:fillRef idx="0">
+              <a:schemeClr val="accent1"/>
+            </a:fillRef>
+            <a:effectRef idx="0">
+              <a:schemeClr val="accent1"/>
+            </a:effectRef>
+            <a:fontRef idx="minor">
+              <a:schemeClr val="tx1"/>
+            </a:fontRef>
+          </p:style>
+          <p:txBody>
+            <a:bodyPr rtlCol="0" anchor="ctr"/>
+            <a:lstStyle/>
+            <a:p>
+              <a:pPr algn="ctr"/>
+              <a:endParaRPr kumimoji="1" lang="ja-JP" altLang="en-US"/>
+            </a:p>
+          </p:txBody>
+        </p:sp>
+        <p:sp>
+          <p:nvSpPr>
+            <p:cNvPr id="7" name="円弧 6">
+              <a:extLst>
+                <a:ext uri="{FF2B5EF4-FFF2-40B4-BE49-F238E27FC236}">
+                  <a16:creationId xmlns:a16="http://schemas.microsoft.com/office/drawing/2014/main" id="{FD826C0D-A04C-447D-B07B-D85BC9341048}"/>
+                </a:ext>
+              </a:extLst>
+            </p:cNvPr>
+            <p:cNvSpPr/>
+            <p:nvPr/>
+          </p:nvSpPr>
+          <p:spPr>
+            <a:xfrm rot="5400000">
+              <a:off x="2051720" y="4149080"/>
+              <a:ext cx="720080" cy="1440160"/>
+            </a:xfrm>
+            <a:prstGeom prst="arc">
+              <a:avLst>
+                <a:gd name="adj1" fmla="val 16200000"/>
+                <a:gd name="adj2" fmla="val 5298501"/>
+              </a:avLst>
+            </a:prstGeom>
+            <a:ln w="12700">
+              <a:solidFill>
+                <a:schemeClr val="tx1"/>
+              </a:solidFill>
+            </a:ln>
+          </p:spPr>
+          <p:style>
+            <a:lnRef idx="1">
+              <a:schemeClr val="accent1"/>
+            </a:lnRef>
+            <a:fillRef idx="0">
+              <a:schemeClr val="accent1"/>
+            </a:fillRef>
+            <a:effectRef idx="0">
+              <a:schemeClr val="accent1"/>
+            </a:effectRef>
+            <a:fontRef idx="minor">
+              <a:schemeClr val="tx1"/>
+            </a:fontRef>
+          </p:style>
+          <p:txBody>
+            <a:bodyPr rtlCol="0" anchor="ctr"/>
+            <a:lstStyle/>
+            <a:p>
+              <a:pPr algn="ctr"/>
+              <a:endParaRPr kumimoji="1" lang="ja-JP" altLang="en-US"/>
+            </a:p>
+          </p:txBody>
+        </p:sp>
+        <p:sp>
+          <p:nvSpPr>
+            <p:cNvPr id="8" name="円弧 7">
+              <a:extLst>
+                <a:ext uri="{FF2B5EF4-FFF2-40B4-BE49-F238E27FC236}">
+                  <a16:creationId xmlns:a16="http://schemas.microsoft.com/office/drawing/2014/main" id="{75BF8925-258E-4C4A-985F-2EFD82BE40E4}"/>
+                </a:ext>
+              </a:extLst>
+            </p:cNvPr>
+            <p:cNvSpPr/>
+            <p:nvPr/>
+          </p:nvSpPr>
+          <p:spPr>
+            <a:xfrm rot="5400000">
+              <a:off x="2051720" y="3789040"/>
+              <a:ext cx="720080" cy="1440160"/>
+            </a:xfrm>
+            <a:prstGeom prst="arc">
+              <a:avLst>
+                <a:gd name="adj1" fmla="val 16200000"/>
+                <a:gd name="adj2" fmla="val 5298501"/>
+              </a:avLst>
+            </a:prstGeom>
+            <a:ln w="12700">
+              <a:solidFill>
+                <a:schemeClr val="tx1"/>
+              </a:solidFill>
+            </a:ln>
+          </p:spPr>
+          <p:style>
+            <a:lnRef idx="1">
+              <a:schemeClr val="accent1"/>
+            </a:lnRef>
+            <a:fillRef idx="0">
+              <a:schemeClr val="accent1"/>
+            </a:fillRef>
+            <a:effectRef idx="0">
+              <a:schemeClr val="accent1"/>
+            </a:effectRef>
+            <a:fontRef idx="minor">
+              <a:schemeClr val="tx1"/>
+            </a:fontRef>
+          </p:style>
+          <p:txBody>
+            <a:bodyPr rtlCol="0" anchor="ctr"/>
+            <a:lstStyle/>
+            <a:p>
+              <a:pPr algn="ctr"/>
+              <a:endParaRPr kumimoji="1" lang="ja-JP" altLang="en-US"/>
+            </a:p>
+          </p:txBody>
+        </p:sp>
+        <p:cxnSp>
+          <p:nvCxnSpPr>
+            <p:cNvPr id="6" name="直線コネクタ 5">
+              <a:extLst>
+                <a:ext uri="{FF2B5EF4-FFF2-40B4-BE49-F238E27FC236}">
+                  <a16:creationId xmlns:a16="http://schemas.microsoft.com/office/drawing/2014/main" id="{422AFC6F-36C8-4E5E-BD5C-2D8702FE78E1}"/>
+                </a:ext>
+              </a:extLst>
+            </p:cNvPr>
+            <p:cNvCxnSpPr>
+              <a:stCxn id="2" idx="6"/>
+              <a:endCxn id="7" idx="0"/>
+            </p:cNvCxnSpPr>
+            <p:nvPr/>
+          </p:nvCxnSpPr>
+          <p:spPr>
+            <a:xfrm>
+              <a:off x="3131840" y="3789040"/>
+              <a:ext cx="0" cy="1080120"/>
+            </a:xfrm>
+            <a:prstGeom prst="line">
+              <a:avLst/>
+            </a:prstGeom>
+            <a:ln w="12700">
+              <a:solidFill>
+                <a:schemeClr val="tx1"/>
+              </a:solidFill>
+            </a:ln>
+          </p:spPr>
+          <p:style>
+            <a:lnRef idx="1">
+              <a:schemeClr val="accent1"/>
+            </a:lnRef>
+            <a:fillRef idx="0">
+              <a:schemeClr val="accent1"/>
+            </a:fillRef>
+            <a:effectRef idx="0">
+              <a:schemeClr val="accent1"/>
+            </a:effectRef>
+            <a:fontRef idx="minor">
+              <a:schemeClr val="tx1"/>
+            </a:fontRef>
+          </p:style>
+        </p:cxnSp>
+        <p:cxnSp>
+          <p:nvCxnSpPr>
+            <p:cNvPr id="10" name="直線コネクタ 9">
+              <a:extLst>
+                <a:ext uri="{FF2B5EF4-FFF2-40B4-BE49-F238E27FC236}">
+                  <a16:creationId xmlns:a16="http://schemas.microsoft.com/office/drawing/2014/main" id="{A3E35EDA-8823-4703-9E43-362CD8E490C1}"/>
+                </a:ext>
+              </a:extLst>
+            </p:cNvPr>
+            <p:cNvCxnSpPr>
+              <a:stCxn id="2" idx="2"/>
+              <a:endCxn id="7" idx="2"/>
+            </p:cNvCxnSpPr>
+            <p:nvPr/>
+          </p:nvCxnSpPr>
+          <p:spPr>
+            <a:xfrm>
+              <a:off x="1691680" y="3789040"/>
+              <a:ext cx="1253" cy="1101349"/>
+            </a:xfrm>
+            <a:prstGeom prst="line">
+              <a:avLst/>
+            </a:prstGeom>
+            <a:ln w="12700">
+              <a:solidFill>
+                <a:schemeClr val="tx1"/>
+              </a:solidFill>
+            </a:ln>
+          </p:spPr>
+          <p:style>
+            <a:lnRef idx="1">
+              <a:schemeClr val="accent1"/>
+            </a:lnRef>
+            <a:fillRef idx="0">
+              <a:schemeClr val="accent1"/>
+            </a:fillRef>
+            <a:effectRef idx="0">
+              <a:schemeClr val="accent1"/>
+            </a:effectRef>
+            <a:fontRef idx="minor">
+              <a:schemeClr val="tx1"/>
+            </a:fontRef>
+          </p:style>
+        </p:cxnSp>
+      </p:grpSp>
+      <p:cxnSp>
+        <p:nvCxnSpPr>
+          <p:cNvPr id="13" name="コネクタ: カギ線 12">
+            <a:extLst>
+              <a:ext uri="{FF2B5EF4-FFF2-40B4-BE49-F238E27FC236}">
+                <a16:creationId xmlns:a16="http://schemas.microsoft.com/office/drawing/2014/main" id="{18B5DBC7-FC2A-485F-9A38-5BBE64262322}"/>
+              </a:ext>
+            </a:extLst>
+          </p:cNvPr>
+          <p:cNvCxnSpPr>
+            <a:stCxn id="1026" idx="2"/>
+            <a:endCxn id="2" idx="0"/>
+          </p:cNvCxnSpPr>
+          <p:nvPr/>
+        </p:nvCxnSpPr>
+        <p:spPr>
+          <a:xfrm rot="16200000" flipH="1">
+            <a:off x="1211115" y="3265269"/>
+            <a:ext cx="349349" cy="266143"/>
+          </a:xfrm>
+          <a:prstGeom prst="bentConnector3">
+            <a:avLst/>
+          </a:prstGeom>
+          <a:ln w="12700">
+            <a:solidFill>
+              <a:schemeClr val="tx1"/>
+            </a:solidFill>
+          </a:ln>
+        </p:spPr>
+        <p:style>
+          <a:lnRef idx="1">
+            <a:schemeClr val="accent1"/>
+          </a:lnRef>
+          <a:fillRef idx="0">
+            <a:schemeClr val="accent1"/>
+          </a:fillRef>
+          <a:effectRef idx="0">
+            <a:schemeClr val="accent1"/>
+          </a:effectRef>
+          <a:fontRef idx="minor">
+            <a:schemeClr val="tx1"/>
+          </a:fontRef>
+        </p:style>
+      </p:cxnSp>
+      <p:pic>
+        <p:nvPicPr>
+          <p:cNvPr id="16" name="Picture 2" descr="パソコンを使う会社員のイラスト（男性・笑顔）">
+            <a:extLst>
+              <a:ext uri="{FF2B5EF4-FFF2-40B4-BE49-F238E27FC236}">
+                <a16:creationId xmlns:a16="http://schemas.microsoft.com/office/drawing/2014/main" id="{6731C8D7-C0FC-4992-8E6A-FD863F9FBDC6}"/>
+              </a:ext>
+            </a:extLst>
+          </p:cNvPr>
+          <p:cNvPicPr>
+            <a:picLocks noChangeAspect="1" noChangeArrowheads="1"/>
+          </p:cNvPicPr>
+          <p:nvPr/>
+        </p:nvPicPr>
+        <p:blipFill>
+          <a:blip r:embed="rId2" cstate="print">
+            <a:extLst>
+              <a:ext uri="{28A0092B-C50C-407E-A947-70E740481C1C}">
+                <a14:useLocalDpi xmlns:a14="http://schemas.microsoft.com/office/drawing/2010/main" val="0"/>
+              </a:ext>
+            </a:extLst>
+          </a:blip>
+          <a:srcRect/>
+          <a:stretch>
+            <a:fillRect/>
+          </a:stretch>
+        </p:blipFill>
+        <p:spPr bwMode="auto">
+          <a:xfrm>
+            <a:off x="2915816" y="2564904"/>
+            <a:ext cx="850267" cy="1234827"/>
+          </a:xfrm>
+          <a:prstGeom prst="rect">
+            <a:avLst/>
+          </a:prstGeom>
+          <a:noFill/>
+          <a:extLst>
+            <a:ext uri="{909E8E84-426E-40DD-AFC4-6F175D3DCCD1}">
+              <a14:hiddenFill xmlns:a14="http://schemas.microsoft.com/office/drawing/2010/main">
+                <a:solidFill>
+                  <a:srgbClr val="FFFFFF"/>
+                </a:solidFill>
+              </a14:hiddenFill>
+            </a:ext>
+          </a:extLst>
+        </p:spPr>
+      </p:pic>
+      <p:grpSp>
+        <p:nvGrpSpPr>
+          <p:cNvPr id="35" name="グループ化 34">
+            <a:extLst>
+              <a:ext uri="{FF2B5EF4-FFF2-40B4-BE49-F238E27FC236}">
+                <a16:creationId xmlns:a16="http://schemas.microsoft.com/office/drawing/2014/main" id="{819F3267-439C-4BAB-8612-E5DE7B19B3BC}"/>
+              </a:ext>
+            </a:extLst>
+          </p:cNvPr>
+          <p:cNvGrpSpPr/>
+          <p:nvPr/>
+        </p:nvGrpSpPr>
+        <p:grpSpPr>
+          <a:xfrm>
+            <a:off x="4427984" y="2060848"/>
+            <a:ext cx="864096" cy="1944216"/>
+            <a:chOff x="4427984" y="692696"/>
+            <a:chExt cx="864096" cy="1944216"/>
+          </a:xfrm>
+        </p:grpSpPr>
+        <p:pic>
+          <p:nvPicPr>
+            <p:cNvPr id="1028" name="Picture 4" descr="サーバのイラスト（グレー）">
+              <a:extLst>
+                <a:ext uri="{FF2B5EF4-FFF2-40B4-BE49-F238E27FC236}">
+                  <a16:creationId xmlns:a16="http://schemas.microsoft.com/office/drawing/2014/main" id="{07C3FC63-15B2-45CE-AEFF-1415EA0925D5}"/>
+                </a:ext>
+              </a:extLst>
+            </p:cNvPr>
+            <p:cNvPicPr>
+              <a:picLocks noChangeAspect="1" noChangeArrowheads="1"/>
+            </p:cNvPicPr>
+            <p:nvPr/>
+          </p:nvPicPr>
+          <p:blipFill>
+            <a:blip r:embed="rId3" cstate="print">
+              <a:extLst>
+                <a:ext uri="{28A0092B-C50C-407E-A947-70E740481C1C}">
+                  <a14:useLocalDpi xmlns:a14="http://schemas.microsoft.com/office/drawing/2010/main" val="0"/>
+                </a:ext>
+              </a:extLst>
+            </a:blip>
+            <a:srcRect/>
+            <a:stretch>
+              <a:fillRect/>
+            </a:stretch>
+          </p:blipFill>
+          <p:spPr bwMode="auto">
+            <a:xfrm>
+              <a:off x="4427984" y="692696"/>
+              <a:ext cx="654501" cy="996702"/>
+            </a:xfrm>
+            <a:prstGeom prst="rect">
+              <a:avLst/>
+            </a:prstGeom>
+            <a:noFill/>
+            <a:extLst>
+              <a:ext uri="{909E8E84-426E-40DD-AFC4-6F175D3DCCD1}">
+                <a14:hiddenFill xmlns:a14="http://schemas.microsoft.com/office/drawing/2010/main">
+                  <a:solidFill>
+                    <a:srgbClr val="FFFFFF"/>
+                  </a:solidFill>
+                </a14:hiddenFill>
+              </a:ext>
+            </a:extLst>
+          </p:spPr>
+        </p:pic>
+        <p:grpSp>
+          <p:nvGrpSpPr>
+            <p:cNvPr id="25" name="グループ化 24">
+              <a:extLst>
+                <a:ext uri="{FF2B5EF4-FFF2-40B4-BE49-F238E27FC236}">
+                  <a16:creationId xmlns:a16="http://schemas.microsoft.com/office/drawing/2014/main" id="{EC318F37-F515-472E-8494-E9203A04054B}"/>
+                </a:ext>
+              </a:extLst>
+            </p:cNvPr>
+            <p:cNvGrpSpPr/>
+            <p:nvPr/>
+          </p:nvGrpSpPr>
+          <p:grpSpPr>
+            <a:xfrm>
+              <a:off x="4773623" y="1988840"/>
+              <a:ext cx="518457" cy="648072"/>
+              <a:chOff x="1691680" y="3429000"/>
+              <a:chExt cx="1440160" cy="1800200"/>
+            </a:xfrm>
+          </p:grpSpPr>
+          <p:sp>
+            <p:nvSpPr>
+              <p:cNvPr id="26" name="楕円 25">
+                <a:extLst>
+                  <a:ext uri="{FF2B5EF4-FFF2-40B4-BE49-F238E27FC236}">
+                    <a16:creationId xmlns:a16="http://schemas.microsoft.com/office/drawing/2014/main" id="{EB22D0DB-CE2E-40D4-B15D-2C8E1FFE1DB2}"/>
+                  </a:ext>
+                </a:extLst>
+              </p:cNvPr>
+              <p:cNvSpPr/>
+              <p:nvPr/>
+            </p:nvSpPr>
+            <p:spPr>
+              <a:xfrm>
+                <a:off x="1691680" y="3429000"/>
+                <a:ext cx="1440160" cy="720080"/>
+              </a:xfrm>
+              <a:prstGeom prst="ellipse">
+                <a:avLst/>
+              </a:prstGeom>
+              <a:noFill/>
+              <a:ln>
+                <a:solidFill>
+                  <a:schemeClr val="tx1"/>
+                </a:solidFill>
+              </a:ln>
+            </p:spPr>
+            <p:style>
+              <a:lnRef idx="2">
+                <a:schemeClr val="accent1">
+                  <a:shade val="50000"/>
+                </a:schemeClr>
+              </a:lnRef>
+              <a:fillRef idx="1">
+                <a:schemeClr val="accent1"/>
+              </a:fillRef>
+              <a:effectRef idx="0">
+                <a:schemeClr val="accent1"/>
+              </a:effectRef>
+              <a:fontRef idx="minor">
+                <a:schemeClr val="lt1"/>
+              </a:fontRef>
+            </p:style>
+            <p:txBody>
+              <a:bodyPr rtlCol="0" anchor="ctr"/>
+              <a:lstStyle/>
+              <a:p>
+                <a:pPr algn="ctr"/>
+                <a:endParaRPr kumimoji="1" lang="ja-JP" altLang="en-US"/>
+              </a:p>
+            </p:txBody>
+          </p:sp>
+          <p:sp>
+            <p:nvSpPr>
+              <p:cNvPr id="27" name="円弧 26">
+                <a:extLst>
+                  <a:ext uri="{FF2B5EF4-FFF2-40B4-BE49-F238E27FC236}">
+                    <a16:creationId xmlns:a16="http://schemas.microsoft.com/office/drawing/2014/main" id="{A2EA3C36-D6E3-4914-BA31-FEF8F3C3AACD}"/>
+                  </a:ext>
+                </a:extLst>
+              </p:cNvPr>
+              <p:cNvSpPr/>
+              <p:nvPr/>
+            </p:nvSpPr>
+            <p:spPr>
+              <a:xfrm rot="5400000">
+                <a:off x="2051720" y="3429000"/>
+                <a:ext cx="720080" cy="1440160"/>
+              </a:xfrm>
+              <a:prstGeom prst="arc">
+                <a:avLst>
+                  <a:gd name="adj1" fmla="val 16200000"/>
+                  <a:gd name="adj2" fmla="val 5298501"/>
+                </a:avLst>
+              </a:prstGeom>
+              <a:ln w="12700">
+                <a:solidFill>
+                  <a:schemeClr val="tx1"/>
+                </a:solidFill>
+              </a:ln>
+            </p:spPr>
+            <p:style>
+              <a:lnRef idx="1">
+                <a:schemeClr val="accent1"/>
+              </a:lnRef>
+              <a:fillRef idx="0">
+                <a:schemeClr val="accent1"/>
+              </a:fillRef>
+              <a:effectRef idx="0">
+                <a:schemeClr val="accent1"/>
+              </a:effectRef>
+              <a:fontRef idx="minor">
+                <a:schemeClr val="tx1"/>
+              </a:fontRef>
+            </p:style>
+            <p:txBody>
+              <a:bodyPr rtlCol="0" anchor="ctr"/>
+              <a:lstStyle/>
+              <a:p>
+                <a:pPr algn="ctr"/>
+                <a:endParaRPr kumimoji="1" lang="ja-JP" altLang="en-US"/>
+              </a:p>
+            </p:txBody>
+          </p:sp>
+          <p:sp>
+            <p:nvSpPr>
+              <p:cNvPr id="28" name="円弧 27">
+                <a:extLst>
+                  <a:ext uri="{FF2B5EF4-FFF2-40B4-BE49-F238E27FC236}">
+                    <a16:creationId xmlns:a16="http://schemas.microsoft.com/office/drawing/2014/main" id="{CBD3AC83-73C9-478F-BB05-40BA793B1024}"/>
+                  </a:ext>
+                </a:extLst>
+              </p:cNvPr>
+              <p:cNvSpPr/>
+              <p:nvPr/>
+            </p:nvSpPr>
+            <p:spPr>
+              <a:xfrm rot="5400000">
+                <a:off x="2051720" y="4149080"/>
+                <a:ext cx="720080" cy="1440160"/>
+              </a:xfrm>
+              <a:prstGeom prst="arc">
+                <a:avLst>
+                  <a:gd name="adj1" fmla="val 16200000"/>
+                  <a:gd name="adj2" fmla="val 5298501"/>
+                </a:avLst>
+              </a:prstGeom>
+              <a:ln w="12700">
+                <a:solidFill>
+                  <a:schemeClr val="tx1"/>
+                </a:solidFill>
+              </a:ln>
+            </p:spPr>
+            <p:style>
+              <a:lnRef idx="1">
+                <a:schemeClr val="accent1"/>
+              </a:lnRef>
+              <a:fillRef idx="0">
+                <a:schemeClr val="accent1"/>
+              </a:fillRef>
+              <a:effectRef idx="0">
+                <a:schemeClr val="accent1"/>
+              </a:effectRef>
+              <a:fontRef idx="minor">
+                <a:schemeClr val="tx1"/>
+              </a:fontRef>
+            </p:style>
+            <p:txBody>
+              <a:bodyPr rtlCol="0" anchor="ctr"/>
+              <a:lstStyle/>
+              <a:p>
+                <a:pPr algn="ctr"/>
+                <a:endParaRPr kumimoji="1" lang="ja-JP" altLang="en-US"/>
+              </a:p>
+            </p:txBody>
+          </p:sp>
+          <p:sp>
+            <p:nvSpPr>
+              <p:cNvPr id="29" name="円弧 28">
+                <a:extLst>
+                  <a:ext uri="{FF2B5EF4-FFF2-40B4-BE49-F238E27FC236}">
+                    <a16:creationId xmlns:a16="http://schemas.microsoft.com/office/drawing/2014/main" id="{4404AA5F-17E4-45DA-9334-7800628F4126}"/>
+                  </a:ext>
+                </a:extLst>
+              </p:cNvPr>
+              <p:cNvSpPr/>
+              <p:nvPr/>
+            </p:nvSpPr>
+            <p:spPr>
+              <a:xfrm rot="5400000">
+                <a:off x="2051720" y="3789040"/>
+                <a:ext cx="720080" cy="1440160"/>
+              </a:xfrm>
+              <a:prstGeom prst="arc">
+                <a:avLst>
+                  <a:gd name="adj1" fmla="val 16200000"/>
+                  <a:gd name="adj2" fmla="val 5298501"/>
+                </a:avLst>
+              </a:prstGeom>
+              <a:ln w="12700">
+                <a:solidFill>
+                  <a:schemeClr val="tx1"/>
+                </a:solidFill>
+              </a:ln>
+            </p:spPr>
+            <p:style>
+              <a:lnRef idx="1">
+                <a:schemeClr val="accent1"/>
+              </a:lnRef>
+              <a:fillRef idx="0">
+                <a:schemeClr val="accent1"/>
+              </a:fillRef>
+              <a:effectRef idx="0">
+                <a:schemeClr val="accent1"/>
+              </a:effectRef>
+              <a:fontRef idx="minor">
+                <a:schemeClr val="tx1"/>
+              </a:fontRef>
+            </p:style>
+            <p:txBody>
+              <a:bodyPr rtlCol="0" anchor="ctr"/>
+              <a:lstStyle/>
+              <a:p>
+                <a:pPr algn="ctr"/>
+                <a:endParaRPr kumimoji="1" lang="ja-JP" altLang="en-US"/>
+              </a:p>
+            </p:txBody>
+          </p:sp>
+          <p:cxnSp>
+            <p:nvCxnSpPr>
+              <p:cNvPr id="30" name="直線コネクタ 29">
+                <a:extLst>
+                  <a:ext uri="{FF2B5EF4-FFF2-40B4-BE49-F238E27FC236}">
+                    <a16:creationId xmlns:a16="http://schemas.microsoft.com/office/drawing/2014/main" id="{A8480804-591F-42E3-94A0-E34DE3FA0891}"/>
+                  </a:ext>
+                </a:extLst>
+              </p:cNvPr>
+              <p:cNvCxnSpPr>
+                <a:stCxn id="26" idx="6"/>
+                <a:endCxn id="28" idx="0"/>
+              </p:cNvCxnSpPr>
+              <p:nvPr/>
+            </p:nvCxnSpPr>
+            <p:spPr>
+              <a:xfrm>
+                <a:off x="3131840" y="3789040"/>
+                <a:ext cx="0" cy="1080120"/>
+              </a:xfrm>
+              <a:prstGeom prst="line">
+                <a:avLst/>
+              </a:prstGeom>
+              <a:ln w="12700">
+                <a:solidFill>
+                  <a:schemeClr val="tx1"/>
+                </a:solidFill>
+              </a:ln>
+            </p:spPr>
+            <p:style>
+              <a:lnRef idx="1">
+                <a:schemeClr val="accent1"/>
+              </a:lnRef>
+              <a:fillRef idx="0">
+                <a:schemeClr val="accent1"/>
+              </a:fillRef>
+              <a:effectRef idx="0">
+                <a:schemeClr val="accent1"/>
+              </a:effectRef>
+              <a:fontRef idx="minor">
+                <a:schemeClr val="tx1"/>
+              </a:fontRef>
+            </p:style>
+          </p:cxnSp>
+          <p:cxnSp>
+            <p:nvCxnSpPr>
+              <p:cNvPr id="31" name="直線コネクタ 30">
+                <a:extLst>
+                  <a:ext uri="{FF2B5EF4-FFF2-40B4-BE49-F238E27FC236}">
+                    <a16:creationId xmlns:a16="http://schemas.microsoft.com/office/drawing/2014/main" id="{56766E36-4616-4E0C-9EA9-AE5A8A0DD3B7}"/>
+                  </a:ext>
+                </a:extLst>
+              </p:cNvPr>
+              <p:cNvCxnSpPr>
+                <a:stCxn id="26" idx="2"/>
+                <a:endCxn id="28" idx="2"/>
+              </p:cNvCxnSpPr>
+              <p:nvPr/>
+            </p:nvCxnSpPr>
+            <p:spPr>
+              <a:xfrm>
+                <a:off x="1691680" y="3789040"/>
+                <a:ext cx="1253" cy="1101349"/>
+              </a:xfrm>
+              <a:prstGeom prst="line">
+                <a:avLst/>
+              </a:prstGeom>
+              <a:ln w="12700">
+                <a:solidFill>
+                  <a:schemeClr val="tx1"/>
+                </a:solidFill>
+              </a:ln>
+            </p:spPr>
+            <p:style>
+              <a:lnRef idx="1">
+                <a:schemeClr val="accent1"/>
+              </a:lnRef>
+              <a:fillRef idx="0">
+                <a:schemeClr val="accent1"/>
+              </a:fillRef>
+              <a:effectRef idx="0">
+                <a:schemeClr val="accent1"/>
+              </a:effectRef>
+              <a:fontRef idx="minor">
+                <a:schemeClr val="tx1"/>
+              </a:fontRef>
+            </p:style>
+          </p:cxnSp>
+        </p:grpSp>
+        <p:cxnSp>
+          <p:nvCxnSpPr>
+            <p:cNvPr id="32" name="コネクタ: カギ線 31">
+              <a:extLst>
+                <a:ext uri="{FF2B5EF4-FFF2-40B4-BE49-F238E27FC236}">
+                  <a16:creationId xmlns:a16="http://schemas.microsoft.com/office/drawing/2014/main" id="{3B29CA8A-FD53-4EFD-83AF-6B1F0311D843}"/>
+                </a:ext>
+              </a:extLst>
+            </p:cNvPr>
+            <p:cNvCxnSpPr>
+              <a:cxnSpLocks/>
+              <a:stCxn id="1028" idx="2"/>
+              <a:endCxn id="26" idx="0"/>
+            </p:cNvCxnSpPr>
+            <p:nvPr/>
+          </p:nvCxnSpPr>
+          <p:spPr>
+            <a:xfrm rot="16200000" flipH="1">
+              <a:off x="4744322" y="1700310"/>
+              <a:ext cx="299442" cy="277617"/>
+            </a:xfrm>
+            <a:prstGeom prst="bentConnector3">
+              <a:avLst/>
+            </a:prstGeom>
+            <a:ln w="12700">
+              <a:solidFill>
+                <a:schemeClr val="tx1"/>
+              </a:solidFill>
+            </a:ln>
+          </p:spPr>
+          <p:style>
+            <a:lnRef idx="1">
+              <a:schemeClr val="accent1"/>
+            </a:lnRef>
+            <a:fillRef idx="0">
+              <a:schemeClr val="accent1"/>
+            </a:fillRef>
+            <a:effectRef idx="0">
+              <a:schemeClr val="accent1"/>
+            </a:effectRef>
+            <a:fontRef idx="minor">
+              <a:schemeClr val="tx1"/>
+            </a:fontRef>
+          </p:style>
+        </p:cxnSp>
+      </p:grpSp>
+      <p:pic>
+        <p:nvPicPr>
+          <p:cNvPr id="33" name="図 32" descr="アイコン&#10;&#10;自動的に生成された説明">
+            <a:extLst>
+              <a:ext uri="{FF2B5EF4-FFF2-40B4-BE49-F238E27FC236}">
+                <a16:creationId xmlns:a16="http://schemas.microsoft.com/office/drawing/2014/main" id="{D73667F6-33CB-45F2-BE42-67B3AD521FF2}"/>
+              </a:ext>
+            </a:extLst>
+          </p:cNvPr>
+          <p:cNvPicPr>
+            <a:picLocks noChangeAspect="1"/>
+          </p:cNvPicPr>
+          <p:nvPr/>
+        </p:nvPicPr>
+        <p:blipFill>
+          <a:blip r:embed="rId4"/>
+          <a:stretch>
+            <a:fillRect/>
+          </a:stretch>
+        </p:blipFill>
+        <p:spPr>
+          <a:xfrm rot="19800000">
+            <a:off x="3815640" y="2823491"/>
+            <a:ext cx="618136" cy="596573"/>
+          </a:xfrm>
+          <a:prstGeom prst="rect">
+            <a:avLst/>
+          </a:prstGeom>
+        </p:spPr>
+      </p:pic>
+      <p:grpSp>
+        <p:nvGrpSpPr>
+          <p:cNvPr id="34" name="グループ化 33">
+            <a:extLst>
+              <a:ext uri="{FF2B5EF4-FFF2-40B4-BE49-F238E27FC236}">
+                <a16:creationId xmlns:a16="http://schemas.microsoft.com/office/drawing/2014/main" id="{76A3E066-FA2D-454B-B62E-A8BF089545A8}"/>
+              </a:ext>
+            </a:extLst>
+          </p:cNvPr>
+          <p:cNvGrpSpPr/>
+          <p:nvPr/>
+        </p:nvGrpSpPr>
+        <p:grpSpPr>
+          <a:xfrm>
+            <a:off x="6113884" y="2902074"/>
+            <a:ext cx="490583" cy="1152128"/>
+            <a:chOff x="6444208" y="1196752"/>
+            <a:chExt cx="950505" cy="2232248"/>
+          </a:xfrm>
+        </p:grpSpPr>
+        <p:pic>
+          <p:nvPicPr>
+            <p:cNvPr id="38" name="Picture 2" descr="パソコンを使う会社員のイラスト（男性・笑顔）">
+              <a:extLst>
+                <a:ext uri="{FF2B5EF4-FFF2-40B4-BE49-F238E27FC236}">
+                  <a16:creationId xmlns:a16="http://schemas.microsoft.com/office/drawing/2014/main" id="{3F5587FF-DE92-4934-9A62-928D116713B5}"/>
+                </a:ext>
+              </a:extLst>
+            </p:cNvPr>
+            <p:cNvPicPr>
+              <a:picLocks noChangeAspect="1" noChangeArrowheads="1"/>
+            </p:cNvPicPr>
+            <p:nvPr/>
+          </p:nvPicPr>
+          <p:blipFill>
+            <a:blip r:embed="rId5" cstate="print">
+              <a:extLst>
+                <a:ext uri="{28A0092B-C50C-407E-A947-70E740481C1C}">
+                  <a14:useLocalDpi xmlns:a14="http://schemas.microsoft.com/office/drawing/2010/main" val="0"/>
+                </a:ext>
+              </a:extLst>
+            </a:blip>
+            <a:srcRect/>
+            <a:stretch>
+              <a:fillRect/>
+            </a:stretch>
+          </p:blipFill>
+          <p:spPr bwMode="auto">
+            <a:xfrm>
+              <a:off x="6444208" y="1196752"/>
+              <a:ext cx="850267" cy="1234827"/>
+            </a:xfrm>
+            <a:prstGeom prst="rect">
+              <a:avLst/>
+            </a:prstGeom>
+            <a:noFill/>
+            <a:extLst>
+              <a:ext uri="{909E8E84-426E-40DD-AFC4-6F175D3DCCD1}">
+                <a14:hiddenFill xmlns:a14="http://schemas.microsoft.com/office/drawing/2010/main">
+                  <a:solidFill>
+                    <a:srgbClr val="FFFFFF"/>
+                  </a:solidFill>
+                </a14:hiddenFill>
+              </a:ext>
+            </a:extLst>
+          </p:spPr>
+        </p:pic>
+        <p:grpSp>
+          <p:nvGrpSpPr>
+            <p:cNvPr id="39" name="グループ化 38">
+              <a:extLst>
+                <a:ext uri="{FF2B5EF4-FFF2-40B4-BE49-F238E27FC236}">
+                  <a16:creationId xmlns:a16="http://schemas.microsoft.com/office/drawing/2014/main" id="{9ABF7368-114C-438F-B0D4-F53228D28B14}"/>
+                </a:ext>
+              </a:extLst>
+            </p:cNvPr>
+            <p:cNvGrpSpPr/>
+            <p:nvPr/>
+          </p:nvGrpSpPr>
+          <p:grpSpPr>
+            <a:xfrm>
+              <a:off x="6876256" y="2780928"/>
+              <a:ext cx="518457" cy="648072"/>
+              <a:chOff x="1691680" y="3429000"/>
+              <a:chExt cx="1440160" cy="1800200"/>
+            </a:xfrm>
+          </p:grpSpPr>
+          <p:sp>
+            <p:nvSpPr>
+              <p:cNvPr id="40" name="楕円 39">
+                <a:extLst>
+                  <a:ext uri="{FF2B5EF4-FFF2-40B4-BE49-F238E27FC236}">
+                    <a16:creationId xmlns:a16="http://schemas.microsoft.com/office/drawing/2014/main" id="{B97DB77C-7FF2-46DD-A3D2-60DEDF421280}"/>
+                  </a:ext>
+                </a:extLst>
+              </p:cNvPr>
+              <p:cNvSpPr/>
+              <p:nvPr/>
+            </p:nvSpPr>
+            <p:spPr>
+              <a:xfrm>
+                <a:off x="1691680" y="3429000"/>
+                <a:ext cx="1440160" cy="720080"/>
+              </a:xfrm>
+              <a:prstGeom prst="ellipse">
+                <a:avLst/>
+              </a:prstGeom>
+              <a:noFill/>
+              <a:ln>
+                <a:solidFill>
+                  <a:schemeClr val="tx1"/>
+                </a:solidFill>
+              </a:ln>
+            </p:spPr>
+            <p:style>
+              <a:lnRef idx="2">
+                <a:schemeClr val="accent1">
+                  <a:shade val="50000"/>
+                </a:schemeClr>
+              </a:lnRef>
+              <a:fillRef idx="1">
+                <a:schemeClr val="accent1"/>
+              </a:fillRef>
+              <a:effectRef idx="0">
+                <a:schemeClr val="accent1"/>
+              </a:effectRef>
+              <a:fontRef idx="minor">
+                <a:schemeClr val="lt1"/>
+              </a:fontRef>
+            </p:style>
+            <p:txBody>
+              <a:bodyPr rtlCol="0" anchor="ctr"/>
+              <a:lstStyle/>
+              <a:p>
+                <a:pPr algn="ctr"/>
+                <a:endParaRPr kumimoji="1" lang="ja-JP" altLang="en-US"/>
+              </a:p>
+            </p:txBody>
+          </p:sp>
+          <p:sp>
+            <p:nvSpPr>
+              <p:cNvPr id="41" name="円弧 40">
+                <a:extLst>
+                  <a:ext uri="{FF2B5EF4-FFF2-40B4-BE49-F238E27FC236}">
+                    <a16:creationId xmlns:a16="http://schemas.microsoft.com/office/drawing/2014/main" id="{62894247-8A5D-4518-AA5F-6D2CBED5EE35}"/>
+                  </a:ext>
+                </a:extLst>
+              </p:cNvPr>
+              <p:cNvSpPr/>
+              <p:nvPr/>
+            </p:nvSpPr>
+            <p:spPr>
+              <a:xfrm rot="5400000">
+                <a:off x="2051720" y="3429000"/>
+                <a:ext cx="720080" cy="1440160"/>
+              </a:xfrm>
+              <a:prstGeom prst="arc">
+                <a:avLst>
+                  <a:gd name="adj1" fmla="val 16200000"/>
+                  <a:gd name="adj2" fmla="val 5298501"/>
+                </a:avLst>
+              </a:prstGeom>
+              <a:ln w="12700">
+                <a:solidFill>
+                  <a:schemeClr val="tx1"/>
+                </a:solidFill>
+              </a:ln>
+            </p:spPr>
+            <p:style>
+              <a:lnRef idx="1">
+                <a:schemeClr val="accent1"/>
+              </a:lnRef>
+              <a:fillRef idx="0">
+                <a:schemeClr val="accent1"/>
+              </a:fillRef>
+              <a:effectRef idx="0">
+                <a:schemeClr val="accent1"/>
+              </a:effectRef>
+              <a:fontRef idx="minor">
+                <a:schemeClr val="tx1"/>
+              </a:fontRef>
+            </p:style>
+            <p:txBody>
+              <a:bodyPr rtlCol="0" anchor="ctr"/>
+              <a:lstStyle/>
+              <a:p>
+                <a:pPr algn="ctr"/>
+                <a:endParaRPr kumimoji="1" lang="ja-JP" altLang="en-US"/>
+              </a:p>
+            </p:txBody>
+          </p:sp>
+          <p:sp>
+            <p:nvSpPr>
+              <p:cNvPr id="42" name="円弧 41">
+                <a:extLst>
+                  <a:ext uri="{FF2B5EF4-FFF2-40B4-BE49-F238E27FC236}">
+                    <a16:creationId xmlns:a16="http://schemas.microsoft.com/office/drawing/2014/main" id="{5476D345-6F6A-4ABC-8994-FE51C287908D}"/>
+                  </a:ext>
+                </a:extLst>
+              </p:cNvPr>
+              <p:cNvSpPr/>
+              <p:nvPr/>
+            </p:nvSpPr>
+            <p:spPr>
+              <a:xfrm rot="5400000">
+                <a:off x="2051720" y="4149080"/>
+                <a:ext cx="720080" cy="1440160"/>
+              </a:xfrm>
+              <a:prstGeom prst="arc">
+                <a:avLst>
+                  <a:gd name="adj1" fmla="val 16200000"/>
+                  <a:gd name="adj2" fmla="val 5298501"/>
+                </a:avLst>
+              </a:prstGeom>
+              <a:ln w="12700">
+                <a:solidFill>
+                  <a:schemeClr val="tx1"/>
+                </a:solidFill>
+              </a:ln>
+            </p:spPr>
+            <p:style>
+              <a:lnRef idx="1">
+                <a:schemeClr val="accent1"/>
+              </a:lnRef>
+              <a:fillRef idx="0">
+                <a:schemeClr val="accent1"/>
+              </a:fillRef>
+              <a:effectRef idx="0">
+                <a:schemeClr val="accent1"/>
+              </a:effectRef>
+              <a:fontRef idx="minor">
+                <a:schemeClr val="tx1"/>
+              </a:fontRef>
+            </p:style>
+            <p:txBody>
+              <a:bodyPr rtlCol="0" anchor="ctr"/>
+              <a:lstStyle/>
+              <a:p>
+                <a:pPr algn="ctr"/>
+                <a:endParaRPr kumimoji="1" lang="ja-JP" altLang="en-US"/>
+              </a:p>
+            </p:txBody>
+          </p:sp>
+          <p:sp>
+            <p:nvSpPr>
+              <p:cNvPr id="43" name="円弧 42">
+                <a:extLst>
+                  <a:ext uri="{FF2B5EF4-FFF2-40B4-BE49-F238E27FC236}">
+                    <a16:creationId xmlns:a16="http://schemas.microsoft.com/office/drawing/2014/main" id="{5D04D081-BDFA-4E62-B61A-1693E0759DB1}"/>
+                  </a:ext>
+                </a:extLst>
+              </p:cNvPr>
+              <p:cNvSpPr/>
+              <p:nvPr/>
+            </p:nvSpPr>
+            <p:spPr>
+              <a:xfrm rot="5400000">
+                <a:off x="2051720" y="3789040"/>
+                <a:ext cx="720080" cy="1440160"/>
+              </a:xfrm>
+              <a:prstGeom prst="arc">
+                <a:avLst>
+                  <a:gd name="adj1" fmla="val 16200000"/>
+                  <a:gd name="adj2" fmla="val 5298501"/>
+                </a:avLst>
+              </a:prstGeom>
+              <a:ln w="12700">
+                <a:solidFill>
+                  <a:schemeClr val="tx1"/>
+                </a:solidFill>
+              </a:ln>
+            </p:spPr>
+            <p:style>
+              <a:lnRef idx="1">
+                <a:schemeClr val="accent1"/>
+              </a:lnRef>
+              <a:fillRef idx="0">
+                <a:schemeClr val="accent1"/>
+              </a:fillRef>
+              <a:effectRef idx="0">
+                <a:schemeClr val="accent1"/>
+              </a:effectRef>
+              <a:fontRef idx="minor">
+                <a:schemeClr val="tx1"/>
+              </a:fontRef>
+            </p:style>
+            <p:txBody>
+              <a:bodyPr rtlCol="0" anchor="ctr"/>
+              <a:lstStyle/>
+              <a:p>
+                <a:pPr algn="ctr"/>
+                <a:endParaRPr kumimoji="1" lang="ja-JP" altLang="en-US"/>
+              </a:p>
+            </p:txBody>
+          </p:sp>
+          <p:cxnSp>
+            <p:nvCxnSpPr>
+              <p:cNvPr id="44" name="直線コネクタ 43">
+                <a:extLst>
+                  <a:ext uri="{FF2B5EF4-FFF2-40B4-BE49-F238E27FC236}">
+                    <a16:creationId xmlns:a16="http://schemas.microsoft.com/office/drawing/2014/main" id="{8F89E098-94B7-4826-BDDE-690EB678C875}"/>
+                  </a:ext>
+                </a:extLst>
+              </p:cNvPr>
+              <p:cNvCxnSpPr>
+                <a:stCxn id="40" idx="6"/>
+                <a:endCxn id="42" idx="0"/>
+              </p:cNvCxnSpPr>
+              <p:nvPr/>
+            </p:nvCxnSpPr>
+            <p:spPr>
+              <a:xfrm>
+                <a:off x="3131840" y="3789040"/>
+                <a:ext cx="0" cy="1080120"/>
+              </a:xfrm>
+              <a:prstGeom prst="line">
+                <a:avLst/>
+              </a:prstGeom>
+              <a:ln w="12700">
+                <a:solidFill>
+                  <a:schemeClr val="tx1"/>
+                </a:solidFill>
+              </a:ln>
+            </p:spPr>
+            <p:style>
+              <a:lnRef idx="1">
+                <a:schemeClr val="accent1"/>
+              </a:lnRef>
+              <a:fillRef idx="0">
+                <a:schemeClr val="accent1"/>
+              </a:fillRef>
+              <a:effectRef idx="0">
+                <a:schemeClr val="accent1"/>
+              </a:effectRef>
+              <a:fontRef idx="minor">
+                <a:schemeClr val="tx1"/>
+              </a:fontRef>
+            </p:style>
+          </p:cxnSp>
+          <p:cxnSp>
+            <p:nvCxnSpPr>
+              <p:cNvPr id="45" name="直線コネクタ 44">
+                <a:extLst>
+                  <a:ext uri="{FF2B5EF4-FFF2-40B4-BE49-F238E27FC236}">
+                    <a16:creationId xmlns:a16="http://schemas.microsoft.com/office/drawing/2014/main" id="{D52A1875-153E-4ACB-9401-83CD4A9FECDF}"/>
+                  </a:ext>
+                </a:extLst>
+              </p:cNvPr>
+              <p:cNvCxnSpPr>
+                <a:stCxn id="40" idx="2"/>
+                <a:endCxn id="42" idx="2"/>
+              </p:cNvCxnSpPr>
+              <p:nvPr/>
+            </p:nvCxnSpPr>
+            <p:spPr>
+              <a:xfrm>
+                <a:off x="1691680" y="3789040"/>
+                <a:ext cx="1253" cy="1101349"/>
+              </a:xfrm>
+              <a:prstGeom prst="line">
+                <a:avLst/>
+              </a:prstGeom>
+              <a:ln w="12700">
+                <a:solidFill>
+                  <a:schemeClr val="tx1"/>
+                </a:solidFill>
+              </a:ln>
+            </p:spPr>
+            <p:style>
+              <a:lnRef idx="1">
+                <a:schemeClr val="accent1"/>
+              </a:lnRef>
+              <a:fillRef idx="0">
+                <a:schemeClr val="accent1"/>
+              </a:fillRef>
+              <a:effectRef idx="0">
+                <a:schemeClr val="accent1"/>
+              </a:effectRef>
+              <a:fontRef idx="minor">
+                <a:schemeClr val="tx1"/>
+              </a:fontRef>
+            </p:style>
+          </p:cxnSp>
+        </p:grpSp>
+        <p:cxnSp>
+          <p:nvCxnSpPr>
+            <p:cNvPr id="46" name="コネクタ: カギ線 45">
+              <a:extLst>
+                <a:ext uri="{FF2B5EF4-FFF2-40B4-BE49-F238E27FC236}">
+                  <a16:creationId xmlns:a16="http://schemas.microsoft.com/office/drawing/2014/main" id="{95416A4E-097E-4578-9FC0-A04668BE7BE3}"/>
+                </a:ext>
+              </a:extLst>
+            </p:cNvPr>
+            <p:cNvCxnSpPr>
+              <a:stCxn id="38" idx="2"/>
+              <a:endCxn id="40" idx="0"/>
+            </p:cNvCxnSpPr>
+            <p:nvPr/>
+          </p:nvCxnSpPr>
+          <p:spPr>
+            <a:xfrm rot="16200000" flipH="1">
+              <a:off x="6827739" y="2473181"/>
+              <a:ext cx="349349" cy="266143"/>
+            </a:xfrm>
+            <a:prstGeom prst="bentConnector3">
+              <a:avLst/>
+            </a:prstGeom>
+            <a:ln w="12700">
+              <a:solidFill>
+                <a:schemeClr val="tx1"/>
+              </a:solidFill>
+            </a:ln>
+          </p:spPr>
+          <p:style>
+            <a:lnRef idx="1">
+              <a:schemeClr val="accent1"/>
+            </a:lnRef>
+            <a:fillRef idx="0">
+              <a:schemeClr val="accent1"/>
+            </a:fillRef>
+            <a:effectRef idx="0">
+              <a:schemeClr val="accent1"/>
+            </a:effectRef>
+            <a:fontRef idx="minor">
+              <a:schemeClr val="tx1"/>
+            </a:fontRef>
+          </p:style>
+        </p:cxnSp>
+      </p:grpSp>
+      <p:grpSp>
+        <p:nvGrpSpPr>
+          <p:cNvPr id="48" name="グループ化 47">
+            <a:extLst>
+              <a:ext uri="{FF2B5EF4-FFF2-40B4-BE49-F238E27FC236}">
+                <a16:creationId xmlns:a16="http://schemas.microsoft.com/office/drawing/2014/main" id="{A4C9D47E-4985-483C-8E1D-2945BA1ED966}"/>
+              </a:ext>
+            </a:extLst>
+          </p:cNvPr>
+          <p:cNvGrpSpPr/>
+          <p:nvPr/>
+        </p:nvGrpSpPr>
+        <p:grpSpPr>
+          <a:xfrm>
+            <a:off x="7904559" y="2806824"/>
+            <a:ext cx="490583" cy="1152128"/>
+            <a:chOff x="6444208" y="1196752"/>
+            <a:chExt cx="950505" cy="2232248"/>
+          </a:xfrm>
+        </p:grpSpPr>
+        <p:pic>
+          <p:nvPicPr>
+            <p:cNvPr id="49" name="Picture 2" descr="パソコンを使う会社員のイラスト（男性・笑顔）">
+              <a:extLst>
+                <a:ext uri="{FF2B5EF4-FFF2-40B4-BE49-F238E27FC236}">
+                  <a16:creationId xmlns:a16="http://schemas.microsoft.com/office/drawing/2014/main" id="{13888374-B612-485B-8242-057E779B6886}"/>
+                </a:ext>
+              </a:extLst>
+            </p:cNvPr>
+            <p:cNvPicPr>
+              <a:picLocks noChangeAspect="1" noChangeArrowheads="1"/>
+            </p:cNvPicPr>
+            <p:nvPr/>
+          </p:nvPicPr>
+          <p:blipFill>
+            <a:blip r:embed="rId5" cstate="print">
+              <a:extLst>
+                <a:ext uri="{28A0092B-C50C-407E-A947-70E740481C1C}">
+                  <a14:useLocalDpi xmlns:a14="http://schemas.microsoft.com/office/drawing/2010/main" val="0"/>
+                </a:ext>
+              </a:extLst>
+            </a:blip>
+            <a:srcRect/>
+            <a:stretch>
+              <a:fillRect/>
+            </a:stretch>
+          </p:blipFill>
+          <p:spPr bwMode="auto">
+            <a:xfrm>
+              <a:off x="6444208" y="1196752"/>
+              <a:ext cx="850267" cy="1234827"/>
+            </a:xfrm>
+            <a:prstGeom prst="rect">
+              <a:avLst/>
+            </a:prstGeom>
+            <a:noFill/>
+            <a:extLst>
+              <a:ext uri="{909E8E84-426E-40DD-AFC4-6F175D3DCCD1}">
+                <a14:hiddenFill xmlns:a14="http://schemas.microsoft.com/office/drawing/2010/main">
+                  <a:solidFill>
+                    <a:srgbClr val="FFFFFF"/>
+                  </a:solidFill>
+                </a14:hiddenFill>
+              </a:ext>
+            </a:extLst>
+          </p:spPr>
+        </p:pic>
+        <p:grpSp>
+          <p:nvGrpSpPr>
+            <p:cNvPr id="50" name="グループ化 49">
+              <a:extLst>
+                <a:ext uri="{FF2B5EF4-FFF2-40B4-BE49-F238E27FC236}">
+                  <a16:creationId xmlns:a16="http://schemas.microsoft.com/office/drawing/2014/main" id="{73B6DD8A-B803-409B-A035-0EEACAB76438}"/>
+                </a:ext>
+              </a:extLst>
+            </p:cNvPr>
+            <p:cNvGrpSpPr/>
+            <p:nvPr/>
+          </p:nvGrpSpPr>
+          <p:grpSpPr>
+            <a:xfrm>
+              <a:off x="6876256" y="2780928"/>
+              <a:ext cx="518457" cy="648072"/>
+              <a:chOff x="1691680" y="3429000"/>
+              <a:chExt cx="1440160" cy="1800200"/>
+            </a:xfrm>
+          </p:grpSpPr>
+          <p:sp>
+            <p:nvSpPr>
+              <p:cNvPr id="52" name="楕円 51">
+                <a:extLst>
+                  <a:ext uri="{FF2B5EF4-FFF2-40B4-BE49-F238E27FC236}">
+                    <a16:creationId xmlns:a16="http://schemas.microsoft.com/office/drawing/2014/main" id="{DADE3026-67DD-4ECF-BE2D-9C6F3637FDF2}"/>
+                  </a:ext>
+                </a:extLst>
+              </p:cNvPr>
+              <p:cNvSpPr/>
+              <p:nvPr/>
+            </p:nvSpPr>
+            <p:spPr>
+              <a:xfrm>
+                <a:off x="1691680" y="3429000"/>
+                <a:ext cx="1440160" cy="720080"/>
+              </a:xfrm>
+              <a:prstGeom prst="ellipse">
+                <a:avLst/>
+              </a:prstGeom>
+              <a:noFill/>
+              <a:ln>
+                <a:solidFill>
+                  <a:schemeClr val="tx1"/>
+                </a:solidFill>
+              </a:ln>
+            </p:spPr>
+            <p:style>
+              <a:lnRef idx="2">
+                <a:schemeClr val="accent1">
+                  <a:shade val="50000"/>
+                </a:schemeClr>
+              </a:lnRef>
+              <a:fillRef idx="1">
+                <a:schemeClr val="accent1"/>
+              </a:fillRef>
+              <a:effectRef idx="0">
+                <a:schemeClr val="accent1"/>
+              </a:effectRef>
+              <a:fontRef idx="minor">
+                <a:schemeClr val="lt1"/>
+              </a:fontRef>
+            </p:style>
+            <p:txBody>
+              <a:bodyPr rtlCol="0" anchor="ctr"/>
+              <a:lstStyle/>
+              <a:p>
+                <a:pPr algn="ctr"/>
+                <a:endParaRPr kumimoji="1" lang="ja-JP" altLang="en-US"/>
+              </a:p>
+            </p:txBody>
+          </p:sp>
+          <p:sp>
+            <p:nvSpPr>
+              <p:cNvPr id="53" name="円弧 52">
+                <a:extLst>
+                  <a:ext uri="{FF2B5EF4-FFF2-40B4-BE49-F238E27FC236}">
+                    <a16:creationId xmlns:a16="http://schemas.microsoft.com/office/drawing/2014/main" id="{17485751-2274-4ED3-A4C0-C461BDF5625E}"/>
+                  </a:ext>
+                </a:extLst>
+              </p:cNvPr>
+              <p:cNvSpPr/>
+              <p:nvPr/>
+            </p:nvSpPr>
+            <p:spPr>
+              <a:xfrm rot="5400000">
+                <a:off x="2051720" y="3429000"/>
+                <a:ext cx="720080" cy="1440160"/>
+              </a:xfrm>
+              <a:prstGeom prst="arc">
+                <a:avLst>
+                  <a:gd name="adj1" fmla="val 16200000"/>
+                  <a:gd name="adj2" fmla="val 5298501"/>
+                </a:avLst>
+              </a:prstGeom>
+              <a:ln w="12700">
+                <a:solidFill>
+                  <a:schemeClr val="tx1"/>
+                </a:solidFill>
+              </a:ln>
+            </p:spPr>
+            <p:style>
+              <a:lnRef idx="1">
+                <a:schemeClr val="accent1"/>
+              </a:lnRef>
+              <a:fillRef idx="0">
+                <a:schemeClr val="accent1"/>
+              </a:fillRef>
+              <a:effectRef idx="0">
+                <a:schemeClr val="accent1"/>
+              </a:effectRef>
+              <a:fontRef idx="minor">
+                <a:schemeClr val="tx1"/>
+              </a:fontRef>
+            </p:style>
+            <p:txBody>
+              <a:bodyPr rtlCol="0" anchor="ctr"/>
+              <a:lstStyle/>
+              <a:p>
+                <a:pPr algn="ctr"/>
+                <a:endParaRPr kumimoji="1" lang="ja-JP" altLang="en-US"/>
+              </a:p>
+            </p:txBody>
+          </p:sp>
+          <p:sp>
+            <p:nvSpPr>
+              <p:cNvPr id="54" name="円弧 53">
+                <a:extLst>
+                  <a:ext uri="{FF2B5EF4-FFF2-40B4-BE49-F238E27FC236}">
+                    <a16:creationId xmlns:a16="http://schemas.microsoft.com/office/drawing/2014/main" id="{20BDD35F-A151-4E20-B77D-4BC5EFA553DB}"/>
+                  </a:ext>
+                </a:extLst>
+              </p:cNvPr>
+              <p:cNvSpPr/>
+              <p:nvPr/>
+            </p:nvSpPr>
+            <p:spPr>
+              <a:xfrm rot="5400000">
+                <a:off x="2051720" y="4149080"/>
+                <a:ext cx="720080" cy="1440160"/>
+              </a:xfrm>
+              <a:prstGeom prst="arc">
+                <a:avLst>
+                  <a:gd name="adj1" fmla="val 16200000"/>
+                  <a:gd name="adj2" fmla="val 5298501"/>
+                </a:avLst>
+              </a:prstGeom>
+              <a:ln w="12700">
+                <a:solidFill>
+                  <a:schemeClr val="tx1"/>
+                </a:solidFill>
+              </a:ln>
+            </p:spPr>
+            <p:style>
+              <a:lnRef idx="1">
+                <a:schemeClr val="accent1"/>
+              </a:lnRef>
+              <a:fillRef idx="0">
+                <a:schemeClr val="accent1"/>
+              </a:fillRef>
+              <a:effectRef idx="0">
+                <a:schemeClr val="accent1"/>
+              </a:effectRef>
+              <a:fontRef idx="minor">
+                <a:schemeClr val="tx1"/>
+              </a:fontRef>
+            </p:style>
+            <p:txBody>
+              <a:bodyPr rtlCol="0" anchor="ctr"/>
+              <a:lstStyle/>
+              <a:p>
+                <a:pPr algn="ctr"/>
+                <a:endParaRPr kumimoji="1" lang="ja-JP" altLang="en-US"/>
+              </a:p>
+            </p:txBody>
+          </p:sp>
+          <p:sp>
+            <p:nvSpPr>
+              <p:cNvPr id="55" name="円弧 54">
+                <a:extLst>
+                  <a:ext uri="{FF2B5EF4-FFF2-40B4-BE49-F238E27FC236}">
+                    <a16:creationId xmlns:a16="http://schemas.microsoft.com/office/drawing/2014/main" id="{8DE2BF14-9F03-4AB9-8AB2-8EB713490E3E}"/>
+                  </a:ext>
+                </a:extLst>
+              </p:cNvPr>
+              <p:cNvSpPr/>
+              <p:nvPr/>
+            </p:nvSpPr>
+            <p:spPr>
+              <a:xfrm rot="5400000">
+                <a:off x="2051720" y="3789040"/>
+                <a:ext cx="720080" cy="1440160"/>
+              </a:xfrm>
+              <a:prstGeom prst="arc">
+                <a:avLst>
+                  <a:gd name="adj1" fmla="val 16200000"/>
+                  <a:gd name="adj2" fmla="val 5298501"/>
+                </a:avLst>
+              </a:prstGeom>
+              <a:ln w="12700">
+                <a:solidFill>
+                  <a:schemeClr val="tx1"/>
+                </a:solidFill>
+              </a:ln>
+            </p:spPr>
+            <p:style>
+              <a:lnRef idx="1">
+                <a:schemeClr val="accent1"/>
+              </a:lnRef>
+              <a:fillRef idx="0">
+                <a:schemeClr val="accent1"/>
+              </a:fillRef>
+              <a:effectRef idx="0">
+                <a:schemeClr val="accent1"/>
+              </a:effectRef>
+              <a:fontRef idx="minor">
+                <a:schemeClr val="tx1"/>
+              </a:fontRef>
+            </p:style>
+            <p:txBody>
+              <a:bodyPr rtlCol="0" anchor="ctr"/>
+              <a:lstStyle/>
+              <a:p>
+                <a:pPr algn="ctr"/>
+                <a:endParaRPr kumimoji="1" lang="ja-JP" altLang="en-US"/>
+              </a:p>
+            </p:txBody>
+          </p:sp>
+          <p:cxnSp>
+            <p:nvCxnSpPr>
+              <p:cNvPr id="56" name="直線コネクタ 55">
+                <a:extLst>
+                  <a:ext uri="{FF2B5EF4-FFF2-40B4-BE49-F238E27FC236}">
+                    <a16:creationId xmlns:a16="http://schemas.microsoft.com/office/drawing/2014/main" id="{0E2A082F-4179-4E5C-A51A-4D146C790E68}"/>
+                  </a:ext>
+                </a:extLst>
+              </p:cNvPr>
+              <p:cNvCxnSpPr>
+                <a:stCxn id="52" idx="6"/>
+                <a:endCxn id="54" idx="0"/>
+              </p:cNvCxnSpPr>
+              <p:nvPr/>
+            </p:nvCxnSpPr>
+            <p:spPr>
+              <a:xfrm>
+                <a:off x="3131840" y="3789040"/>
+                <a:ext cx="0" cy="1080120"/>
+              </a:xfrm>
+              <a:prstGeom prst="line">
+                <a:avLst/>
+              </a:prstGeom>
+              <a:ln w="12700">
+                <a:solidFill>
+                  <a:schemeClr val="tx1"/>
+                </a:solidFill>
+              </a:ln>
+            </p:spPr>
+            <p:style>
+              <a:lnRef idx="1">
+                <a:schemeClr val="accent1"/>
+              </a:lnRef>
+              <a:fillRef idx="0">
+                <a:schemeClr val="accent1"/>
+              </a:fillRef>
+              <a:effectRef idx="0">
+                <a:schemeClr val="accent1"/>
+              </a:effectRef>
+              <a:fontRef idx="minor">
+                <a:schemeClr val="tx1"/>
+              </a:fontRef>
+            </p:style>
+          </p:cxnSp>
+          <p:cxnSp>
+            <p:nvCxnSpPr>
+              <p:cNvPr id="57" name="直線コネクタ 56">
+                <a:extLst>
+                  <a:ext uri="{FF2B5EF4-FFF2-40B4-BE49-F238E27FC236}">
+                    <a16:creationId xmlns:a16="http://schemas.microsoft.com/office/drawing/2014/main" id="{03770103-622A-470A-8A2A-3EECC98D3D11}"/>
+                  </a:ext>
+                </a:extLst>
+              </p:cNvPr>
+              <p:cNvCxnSpPr>
+                <a:stCxn id="52" idx="2"/>
+                <a:endCxn id="54" idx="2"/>
+              </p:cNvCxnSpPr>
+              <p:nvPr/>
+            </p:nvCxnSpPr>
+            <p:spPr>
+              <a:xfrm>
+                <a:off x="1691680" y="3789040"/>
+                <a:ext cx="1253" cy="1101349"/>
+              </a:xfrm>
+              <a:prstGeom prst="line">
+                <a:avLst/>
+              </a:prstGeom>
+              <a:ln w="12700">
+                <a:solidFill>
+                  <a:schemeClr val="tx1"/>
+                </a:solidFill>
+              </a:ln>
+            </p:spPr>
+            <p:style>
+              <a:lnRef idx="1">
+                <a:schemeClr val="accent1"/>
+              </a:lnRef>
+              <a:fillRef idx="0">
+                <a:schemeClr val="accent1"/>
+              </a:fillRef>
+              <a:effectRef idx="0">
+                <a:schemeClr val="accent1"/>
+              </a:effectRef>
+              <a:fontRef idx="minor">
+                <a:schemeClr val="tx1"/>
+              </a:fontRef>
+            </p:style>
+          </p:cxnSp>
+        </p:grpSp>
+        <p:cxnSp>
+          <p:nvCxnSpPr>
+            <p:cNvPr id="51" name="コネクタ: カギ線 50">
+              <a:extLst>
+                <a:ext uri="{FF2B5EF4-FFF2-40B4-BE49-F238E27FC236}">
+                  <a16:creationId xmlns:a16="http://schemas.microsoft.com/office/drawing/2014/main" id="{A038EE3B-D6A2-4417-AC9F-04C07141F663}"/>
+                </a:ext>
+              </a:extLst>
+            </p:cNvPr>
+            <p:cNvCxnSpPr>
+              <a:stCxn id="49" idx="2"/>
+              <a:endCxn id="52" idx="0"/>
+            </p:cNvCxnSpPr>
+            <p:nvPr/>
+          </p:nvCxnSpPr>
+          <p:spPr>
+            <a:xfrm rot="16200000" flipH="1">
+              <a:off x="6827739" y="2473181"/>
+              <a:ext cx="349349" cy="266143"/>
+            </a:xfrm>
+            <a:prstGeom prst="bentConnector3">
+              <a:avLst/>
+            </a:prstGeom>
+            <a:ln w="12700">
+              <a:solidFill>
+                <a:schemeClr val="tx1"/>
+              </a:solidFill>
+            </a:ln>
+          </p:spPr>
+          <p:style>
+            <a:lnRef idx="1">
+              <a:schemeClr val="accent1"/>
+            </a:lnRef>
+            <a:fillRef idx="0">
+              <a:schemeClr val="accent1"/>
+            </a:fillRef>
+            <a:effectRef idx="0">
+              <a:schemeClr val="accent1"/>
+            </a:effectRef>
+            <a:fontRef idx="minor">
+              <a:schemeClr val="tx1"/>
+            </a:fontRef>
+          </p:style>
+        </p:cxnSp>
+      </p:grpSp>
+      <p:grpSp>
+        <p:nvGrpSpPr>
+          <p:cNvPr id="59" name="グループ化 58">
+            <a:extLst>
+              <a:ext uri="{FF2B5EF4-FFF2-40B4-BE49-F238E27FC236}">
+                <a16:creationId xmlns:a16="http://schemas.microsoft.com/office/drawing/2014/main" id="{9D57492E-AB94-4C1C-A44E-D145C54AC773}"/>
+              </a:ext>
+            </a:extLst>
+          </p:cNvPr>
+          <p:cNvGrpSpPr/>
+          <p:nvPr/>
+        </p:nvGrpSpPr>
+        <p:grpSpPr>
+          <a:xfrm>
+            <a:off x="7020272" y="2073796"/>
+            <a:ext cx="512057" cy="1152128"/>
+            <a:chOff x="4427984" y="692696"/>
+            <a:chExt cx="864096" cy="1944216"/>
+          </a:xfrm>
+        </p:grpSpPr>
+        <p:pic>
+          <p:nvPicPr>
+            <p:cNvPr id="60" name="Picture 4" descr="サーバのイラスト（グレー）">
+              <a:extLst>
+                <a:ext uri="{FF2B5EF4-FFF2-40B4-BE49-F238E27FC236}">
+                  <a16:creationId xmlns:a16="http://schemas.microsoft.com/office/drawing/2014/main" id="{72E78340-C8BF-472B-A7EE-16E1948CF96F}"/>
+                </a:ext>
+              </a:extLst>
+            </p:cNvPr>
+            <p:cNvPicPr>
+              <a:picLocks noChangeAspect="1" noChangeArrowheads="1"/>
+            </p:cNvPicPr>
+            <p:nvPr/>
+          </p:nvPicPr>
+          <p:blipFill>
+            <a:blip r:embed="rId6" cstate="print">
+              <a:extLst>
+                <a:ext uri="{28A0092B-C50C-407E-A947-70E740481C1C}">
+                  <a14:useLocalDpi xmlns:a14="http://schemas.microsoft.com/office/drawing/2010/main" val="0"/>
+                </a:ext>
+              </a:extLst>
+            </a:blip>
+            <a:srcRect/>
+            <a:stretch>
+              <a:fillRect/>
+            </a:stretch>
+          </p:blipFill>
+          <p:spPr bwMode="auto">
+            <a:xfrm>
+              <a:off x="4427984" y="692696"/>
+              <a:ext cx="654501" cy="996702"/>
+            </a:xfrm>
+            <a:prstGeom prst="rect">
+              <a:avLst/>
+            </a:prstGeom>
+            <a:noFill/>
+            <a:extLst>
+              <a:ext uri="{909E8E84-426E-40DD-AFC4-6F175D3DCCD1}">
+                <a14:hiddenFill xmlns:a14="http://schemas.microsoft.com/office/drawing/2010/main">
+                  <a:solidFill>
+                    <a:srgbClr val="FFFFFF"/>
+                  </a:solidFill>
+                </a14:hiddenFill>
+              </a:ext>
+            </a:extLst>
+          </p:spPr>
+        </p:pic>
+        <p:grpSp>
+          <p:nvGrpSpPr>
+            <p:cNvPr id="61" name="グループ化 60">
+              <a:extLst>
+                <a:ext uri="{FF2B5EF4-FFF2-40B4-BE49-F238E27FC236}">
+                  <a16:creationId xmlns:a16="http://schemas.microsoft.com/office/drawing/2014/main" id="{19B22CD9-1C7A-493E-A400-FEBF12C7DD64}"/>
+                </a:ext>
+              </a:extLst>
+            </p:cNvPr>
+            <p:cNvGrpSpPr/>
+            <p:nvPr/>
+          </p:nvGrpSpPr>
+          <p:grpSpPr>
+            <a:xfrm>
+              <a:off x="4773623" y="1988840"/>
+              <a:ext cx="518457" cy="648072"/>
+              <a:chOff x="1691680" y="3429000"/>
+              <a:chExt cx="1440160" cy="1800200"/>
+            </a:xfrm>
+          </p:grpSpPr>
+          <p:sp>
+            <p:nvSpPr>
+              <p:cNvPr id="63" name="楕円 62">
+                <a:extLst>
+                  <a:ext uri="{FF2B5EF4-FFF2-40B4-BE49-F238E27FC236}">
+                    <a16:creationId xmlns:a16="http://schemas.microsoft.com/office/drawing/2014/main" id="{96B1D274-1135-46D5-8821-EB833FCDAE4F}"/>
+                  </a:ext>
+                </a:extLst>
+              </p:cNvPr>
+              <p:cNvSpPr/>
+              <p:nvPr/>
+            </p:nvSpPr>
+            <p:spPr>
+              <a:xfrm>
+                <a:off x="1691680" y="3429000"/>
+                <a:ext cx="1440160" cy="720080"/>
+              </a:xfrm>
+              <a:prstGeom prst="ellipse">
+                <a:avLst/>
+              </a:prstGeom>
+              <a:noFill/>
+              <a:ln>
+                <a:solidFill>
+                  <a:schemeClr val="tx1"/>
+                </a:solidFill>
+              </a:ln>
+            </p:spPr>
+            <p:style>
+              <a:lnRef idx="2">
+                <a:schemeClr val="accent1">
+                  <a:shade val="50000"/>
+                </a:schemeClr>
+              </a:lnRef>
+              <a:fillRef idx="1">
+                <a:schemeClr val="accent1"/>
+              </a:fillRef>
+              <a:effectRef idx="0">
+                <a:schemeClr val="accent1"/>
+              </a:effectRef>
+              <a:fontRef idx="minor">
+                <a:schemeClr val="lt1"/>
+              </a:fontRef>
+            </p:style>
+            <p:txBody>
+              <a:bodyPr rtlCol="0" anchor="ctr"/>
+              <a:lstStyle/>
+              <a:p>
+                <a:pPr algn="ctr"/>
+                <a:endParaRPr kumimoji="1" lang="ja-JP" altLang="en-US"/>
+              </a:p>
+            </p:txBody>
+          </p:sp>
+          <p:sp>
+            <p:nvSpPr>
+              <p:cNvPr id="64" name="円弧 63">
+                <a:extLst>
+                  <a:ext uri="{FF2B5EF4-FFF2-40B4-BE49-F238E27FC236}">
+                    <a16:creationId xmlns:a16="http://schemas.microsoft.com/office/drawing/2014/main" id="{721E0F8B-4356-4DA9-B9E8-FD84DDA1C30D}"/>
+                  </a:ext>
+                </a:extLst>
+              </p:cNvPr>
+              <p:cNvSpPr/>
+              <p:nvPr/>
+            </p:nvSpPr>
+            <p:spPr>
+              <a:xfrm rot="5400000">
+                <a:off x="2051720" y="3429000"/>
+                <a:ext cx="720080" cy="1440160"/>
+              </a:xfrm>
+              <a:prstGeom prst="arc">
+                <a:avLst>
+                  <a:gd name="adj1" fmla="val 16200000"/>
+                  <a:gd name="adj2" fmla="val 5298501"/>
+                </a:avLst>
+              </a:prstGeom>
+              <a:ln w="12700">
+                <a:solidFill>
+                  <a:schemeClr val="tx1"/>
+                </a:solidFill>
+              </a:ln>
+            </p:spPr>
+            <p:style>
+              <a:lnRef idx="1">
+                <a:schemeClr val="accent1"/>
+              </a:lnRef>
+              <a:fillRef idx="0">
+                <a:schemeClr val="accent1"/>
+              </a:fillRef>
+              <a:effectRef idx="0">
+                <a:schemeClr val="accent1"/>
+              </a:effectRef>
+              <a:fontRef idx="minor">
+                <a:schemeClr val="tx1"/>
+              </a:fontRef>
+            </p:style>
+            <p:txBody>
+              <a:bodyPr rtlCol="0" anchor="ctr"/>
+              <a:lstStyle/>
+              <a:p>
+                <a:pPr algn="ctr"/>
+                <a:endParaRPr kumimoji="1" lang="ja-JP" altLang="en-US"/>
+              </a:p>
+            </p:txBody>
+          </p:sp>
+          <p:sp>
+            <p:nvSpPr>
+              <p:cNvPr id="65" name="円弧 64">
+                <a:extLst>
+                  <a:ext uri="{FF2B5EF4-FFF2-40B4-BE49-F238E27FC236}">
+                    <a16:creationId xmlns:a16="http://schemas.microsoft.com/office/drawing/2014/main" id="{5A9A6562-D9D9-41AD-B70A-32E8FDB8BB8B}"/>
+                  </a:ext>
+                </a:extLst>
+              </p:cNvPr>
+              <p:cNvSpPr/>
+              <p:nvPr/>
+            </p:nvSpPr>
+            <p:spPr>
+              <a:xfrm rot="5400000">
+                <a:off x="2051720" y="4149080"/>
+                <a:ext cx="720080" cy="1440160"/>
+              </a:xfrm>
+              <a:prstGeom prst="arc">
+                <a:avLst>
+                  <a:gd name="adj1" fmla="val 16200000"/>
+                  <a:gd name="adj2" fmla="val 5298501"/>
+                </a:avLst>
+              </a:prstGeom>
+              <a:ln w="12700">
+                <a:solidFill>
+                  <a:schemeClr val="tx1"/>
+                </a:solidFill>
+              </a:ln>
+            </p:spPr>
+            <p:style>
+              <a:lnRef idx="1">
+                <a:schemeClr val="accent1"/>
+              </a:lnRef>
+              <a:fillRef idx="0">
+                <a:schemeClr val="accent1"/>
+              </a:fillRef>
+              <a:effectRef idx="0">
+                <a:schemeClr val="accent1"/>
+              </a:effectRef>
+              <a:fontRef idx="minor">
+                <a:schemeClr val="tx1"/>
+              </a:fontRef>
+            </p:style>
+            <p:txBody>
+              <a:bodyPr rtlCol="0" anchor="ctr"/>
+              <a:lstStyle/>
+              <a:p>
+                <a:pPr algn="ctr"/>
+                <a:endParaRPr kumimoji="1" lang="ja-JP" altLang="en-US"/>
+              </a:p>
+            </p:txBody>
+          </p:sp>
+          <p:sp>
+            <p:nvSpPr>
+              <p:cNvPr id="66" name="円弧 65">
+                <a:extLst>
+                  <a:ext uri="{FF2B5EF4-FFF2-40B4-BE49-F238E27FC236}">
+                    <a16:creationId xmlns:a16="http://schemas.microsoft.com/office/drawing/2014/main" id="{7CA76B0D-F644-416C-B1B0-67CBE8DFE685}"/>
+                  </a:ext>
+                </a:extLst>
+              </p:cNvPr>
+              <p:cNvSpPr/>
+              <p:nvPr/>
+            </p:nvSpPr>
+            <p:spPr>
+              <a:xfrm rot="5400000">
+                <a:off x="2051720" y="3789040"/>
+                <a:ext cx="720080" cy="1440160"/>
+              </a:xfrm>
+              <a:prstGeom prst="arc">
+                <a:avLst>
+                  <a:gd name="adj1" fmla="val 16200000"/>
+                  <a:gd name="adj2" fmla="val 5298501"/>
+                </a:avLst>
+              </a:prstGeom>
+              <a:ln w="12700">
+                <a:solidFill>
+                  <a:schemeClr val="tx1"/>
+                </a:solidFill>
+              </a:ln>
+            </p:spPr>
+            <p:style>
+              <a:lnRef idx="1">
+                <a:schemeClr val="accent1"/>
+              </a:lnRef>
+              <a:fillRef idx="0">
+                <a:schemeClr val="accent1"/>
+              </a:fillRef>
+              <a:effectRef idx="0">
+                <a:schemeClr val="accent1"/>
+              </a:effectRef>
+              <a:fontRef idx="minor">
+                <a:schemeClr val="tx1"/>
+              </a:fontRef>
+            </p:style>
+            <p:txBody>
+              <a:bodyPr rtlCol="0" anchor="ctr"/>
+              <a:lstStyle/>
+              <a:p>
+                <a:pPr algn="ctr"/>
+                <a:endParaRPr kumimoji="1" lang="ja-JP" altLang="en-US"/>
+              </a:p>
+            </p:txBody>
+          </p:sp>
+          <p:cxnSp>
+            <p:nvCxnSpPr>
+              <p:cNvPr id="67" name="直線コネクタ 66">
+                <a:extLst>
+                  <a:ext uri="{FF2B5EF4-FFF2-40B4-BE49-F238E27FC236}">
+                    <a16:creationId xmlns:a16="http://schemas.microsoft.com/office/drawing/2014/main" id="{B650A36E-9818-4752-9259-7CEBA396A5F4}"/>
+                  </a:ext>
+                </a:extLst>
+              </p:cNvPr>
+              <p:cNvCxnSpPr>
+                <a:stCxn id="63" idx="6"/>
+                <a:endCxn id="65" idx="0"/>
+              </p:cNvCxnSpPr>
+              <p:nvPr/>
+            </p:nvCxnSpPr>
+            <p:spPr>
+              <a:xfrm>
+                <a:off x="3131840" y="3789040"/>
+                <a:ext cx="0" cy="1080120"/>
+              </a:xfrm>
+              <a:prstGeom prst="line">
+                <a:avLst/>
+              </a:prstGeom>
+              <a:ln w="12700">
+                <a:solidFill>
+                  <a:schemeClr val="tx1"/>
+                </a:solidFill>
+              </a:ln>
+            </p:spPr>
+            <p:style>
+              <a:lnRef idx="1">
+                <a:schemeClr val="accent1"/>
+              </a:lnRef>
+              <a:fillRef idx="0">
+                <a:schemeClr val="accent1"/>
+              </a:fillRef>
+              <a:effectRef idx="0">
+                <a:schemeClr val="accent1"/>
+              </a:effectRef>
+              <a:fontRef idx="minor">
+                <a:schemeClr val="tx1"/>
+              </a:fontRef>
+            </p:style>
+          </p:cxnSp>
+          <p:cxnSp>
+            <p:nvCxnSpPr>
+              <p:cNvPr id="68" name="直線コネクタ 67">
+                <a:extLst>
+                  <a:ext uri="{FF2B5EF4-FFF2-40B4-BE49-F238E27FC236}">
+                    <a16:creationId xmlns:a16="http://schemas.microsoft.com/office/drawing/2014/main" id="{2C6AD643-A3C6-4DDC-816B-C3DD499F0129}"/>
+                  </a:ext>
+                </a:extLst>
+              </p:cNvPr>
+              <p:cNvCxnSpPr>
+                <a:stCxn id="63" idx="2"/>
+                <a:endCxn id="65" idx="2"/>
+              </p:cNvCxnSpPr>
+              <p:nvPr/>
+            </p:nvCxnSpPr>
+            <p:spPr>
+              <a:xfrm>
+                <a:off x="1691680" y="3789040"/>
+                <a:ext cx="1253" cy="1101349"/>
+              </a:xfrm>
+              <a:prstGeom prst="line">
+                <a:avLst/>
+              </a:prstGeom>
+              <a:ln w="12700">
+                <a:solidFill>
+                  <a:schemeClr val="tx1"/>
+                </a:solidFill>
+              </a:ln>
+            </p:spPr>
+            <p:style>
+              <a:lnRef idx="1">
+                <a:schemeClr val="accent1"/>
+              </a:lnRef>
+              <a:fillRef idx="0">
+                <a:schemeClr val="accent1"/>
+              </a:fillRef>
+              <a:effectRef idx="0">
+                <a:schemeClr val="accent1"/>
+              </a:effectRef>
+              <a:fontRef idx="minor">
+                <a:schemeClr val="tx1"/>
+              </a:fontRef>
+            </p:style>
+          </p:cxnSp>
+        </p:grpSp>
+        <p:cxnSp>
+          <p:nvCxnSpPr>
+            <p:cNvPr id="62" name="コネクタ: カギ線 61">
+              <a:extLst>
+                <a:ext uri="{FF2B5EF4-FFF2-40B4-BE49-F238E27FC236}">
+                  <a16:creationId xmlns:a16="http://schemas.microsoft.com/office/drawing/2014/main" id="{D4ACD7AB-B1C8-4964-975D-39D096960FEA}"/>
+                </a:ext>
+              </a:extLst>
+            </p:cNvPr>
+            <p:cNvCxnSpPr>
+              <a:cxnSpLocks/>
+              <a:stCxn id="60" idx="2"/>
+              <a:endCxn id="63" idx="0"/>
+            </p:cNvCxnSpPr>
+            <p:nvPr/>
+          </p:nvCxnSpPr>
+          <p:spPr>
+            <a:xfrm rot="16200000" flipH="1">
+              <a:off x="4744322" y="1700310"/>
+              <a:ext cx="299442" cy="277617"/>
+            </a:xfrm>
+            <a:prstGeom prst="bentConnector3">
+              <a:avLst/>
+            </a:prstGeom>
+            <a:ln w="12700">
+              <a:solidFill>
+                <a:schemeClr val="tx1"/>
+              </a:solidFill>
+            </a:ln>
+          </p:spPr>
+          <p:style>
+            <a:lnRef idx="1">
+              <a:schemeClr val="accent1"/>
+            </a:lnRef>
+            <a:fillRef idx="0">
+              <a:schemeClr val="accent1"/>
+            </a:fillRef>
+            <a:effectRef idx="0">
+              <a:schemeClr val="accent1"/>
+            </a:effectRef>
+            <a:fontRef idx="minor">
+              <a:schemeClr val="tx1"/>
+            </a:fontRef>
+          </p:style>
+        </p:cxnSp>
+      </p:grpSp>
+      <p:sp>
+        <p:nvSpPr>
+          <p:cNvPr id="36" name="矢印: 左右 35">
+            <a:extLst>
+              <a:ext uri="{FF2B5EF4-FFF2-40B4-BE49-F238E27FC236}">
+                <a16:creationId xmlns:a16="http://schemas.microsoft.com/office/drawing/2014/main" id="{EA186FFE-9D46-4721-AF8A-800C94D45701}"/>
+              </a:ext>
+            </a:extLst>
+          </p:cNvPr>
+          <p:cNvSpPr/>
+          <p:nvPr/>
+        </p:nvSpPr>
+        <p:spPr>
+          <a:xfrm rot="18525137">
+            <a:off x="6707856" y="3388964"/>
+            <a:ext cx="512093" cy="212202"/>
+          </a:xfrm>
+          <a:prstGeom prst="leftRightArrow">
+            <a:avLst/>
+          </a:prstGeom>
+          <a:solidFill>
+            <a:srgbClr val="FF0000"/>
+          </a:solidFill>
+          <a:ln>
+            <a:solidFill>
+              <a:schemeClr val="tx1"/>
+            </a:solidFill>
+          </a:ln>
+        </p:spPr>
+        <p:style>
+          <a:lnRef idx="2">
+            <a:schemeClr val="accent1">
+              <a:shade val="50000"/>
+            </a:schemeClr>
+          </a:lnRef>
+          <a:fillRef idx="1">
+            <a:schemeClr val="accent1"/>
+          </a:fillRef>
+          <a:effectRef idx="0">
+            <a:schemeClr val="accent1"/>
+          </a:effectRef>
+          <a:fontRef idx="minor">
+            <a:schemeClr val="lt1"/>
+          </a:fontRef>
+        </p:style>
+        <p:txBody>
+          <a:bodyPr rtlCol="0" anchor="ctr"/>
+          <a:lstStyle/>
+          <a:p>
+            <a:pPr algn="ctr"/>
+            <a:endParaRPr kumimoji="1" lang="ja-JP" altLang="en-US"/>
+          </a:p>
+        </p:txBody>
+      </p:sp>
+      <p:sp>
+        <p:nvSpPr>
+          <p:cNvPr id="70" name="矢印: 左右 69">
+            <a:extLst>
+              <a:ext uri="{FF2B5EF4-FFF2-40B4-BE49-F238E27FC236}">
+                <a16:creationId xmlns:a16="http://schemas.microsoft.com/office/drawing/2014/main" id="{6C79A362-5726-443D-98AC-2D45411B2FFC}"/>
+              </a:ext>
+            </a:extLst>
+          </p:cNvPr>
+          <p:cNvSpPr/>
+          <p:nvPr/>
+        </p:nvSpPr>
+        <p:spPr>
+          <a:xfrm rot="2700000">
+            <a:off x="7536532" y="3379441"/>
+            <a:ext cx="512093" cy="212202"/>
+          </a:xfrm>
+          <a:prstGeom prst="leftRightArrow">
+            <a:avLst/>
+          </a:prstGeom>
+          <a:solidFill>
+            <a:srgbClr val="FF0000"/>
+          </a:solidFill>
+          <a:ln>
+            <a:solidFill>
+              <a:schemeClr val="tx1"/>
+            </a:solidFill>
+          </a:ln>
+        </p:spPr>
+        <p:style>
+          <a:lnRef idx="2">
+            <a:schemeClr val="accent1">
+              <a:shade val="50000"/>
+            </a:schemeClr>
+          </a:lnRef>
+          <a:fillRef idx="1">
+            <a:schemeClr val="accent1"/>
+          </a:fillRef>
+          <a:effectRef idx="0">
+            <a:schemeClr val="accent1"/>
+          </a:effectRef>
+          <a:fontRef idx="minor">
+            <a:schemeClr val="lt1"/>
+          </a:fontRef>
+        </p:style>
+        <p:txBody>
+          <a:bodyPr rtlCol="0" anchor="ctr"/>
+          <a:lstStyle/>
+          <a:p>
+            <a:pPr algn="ctr"/>
+            <a:endParaRPr kumimoji="1" lang="ja-JP" altLang="en-US"/>
+          </a:p>
+        </p:txBody>
+      </p:sp>
+      <p:sp>
+        <p:nvSpPr>
+          <p:cNvPr id="71" name="矢印: 左右 70">
+            <a:extLst>
+              <a:ext uri="{FF2B5EF4-FFF2-40B4-BE49-F238E27FC236}">
+                <a16:creationId xmlns:a16="http://schemas.microsoft.com/office/drawing/2014/main" id="{31968EFD-8209-4643-BBBE-334776B1816F}"/>
+              </a:ext>
+            </a:extLst>
+          </p:cNvPr>
+          <p:cNvSpPr/>
+          <p:nvPr/>
+        </p:nvSpPr>
+        <p:spPr>
+          <a:xfrm>
+            <a:off x="7117432" y="3750916"/>
+            <a:ext cx="512093" cy="212202"/>
+          </a:xfrm>
+          <a:prstGeom prst="leftRightArrow">
+            <a:avLst/>
+          </a:prstGeom>
+          <a:solidFill>
+            <a:srgbClr val="FF0000"/>
+          </a:solidFill>
+          <a:ln>
+            <a:solidFill>
+              <a:schemeClr val="tx1"/>
+            </a:solidFill>
+          </a:ln>
+        </p:spPr>
+        <p:style>
+          <a:lnRef idx="2">
+            <a:schemeClr val="accent1">
+              <a:shade val="50000"/>
+            </a:schemeClr>
+          </a:lnRef>
+          <a:fillRef idx="1">
+            <a:schemeClr val="accent1"/>
+          </a:fillRef>
+          <a:effectRef idx="0">
+            <a:schemeClr val="accent1"/>
+          </a:effectRef>
+          <a:fontRef idx="minor">
+            <a:schemeClr val="lt1"/>
+          </a:fontRef>
+        </p:style>
+        <p:txBody>
+          <a:bodyPr rtlCol="0" anchor="ctr"/>
+          <a:lstStyle/>
+          <a:p>
+            <a:pPr algn="ctr"/>
+            <a:endParaRPr kumimoji="1" lang="ja-JP" altLang="en-US"/>
+          </a:p>
+        </p:txBody>
+      </p:sp>
+      <p:sp>
+        <p:nvSpPr>
+          <p:cNvPr id="37" name="テキスト ボックス 36">
+            <a:extLst>
+              <a:ext uri="{FF2B5EF4-FFF2-40B4-BE49-F238E27FC236}">
+                <a16:creationId xmlns:a16="http://schemas.microsoft.com/office/drawing/2014/main" id="{06E66887-A749-427B-AD89-BAA42F37EC0A}"/>
+              </a:ext>
+            </a:extLst>
+          </p:cNvPr>
+          <p:cNvSpPr txBox="1"/>
+          <p:nvPr/>
+        </p:nvSpPr>
+        <p:spPr>
+          <a:xfrm>
+            <a:off x="539552" y="620688"/>
+            <a:ext cx="1723549" cy="461665"/>
+          </a:xfrm>
+          <a:prstGeom prst="rect">
+            <a:avLst/>
+          </a:prstGeom>
+          <a:noFill/>
+        </p:spPr>
+        <p:txBody>
+          <a:bodyPr wrap="none" rtlCol="0">
+            <a:spAutoFit/>
+          </a:bodyPr>
+          <a:lstStyle/>
+          <a:p>
+            <a:r>
+              <a:rPr kumimoji="1" lang="ja-JP" altLang="en-US" sz="2400">
+                <a:solidFill>
+                  <a:srgbClr val="011893"/>
+                </a:solidFill>
+              </a:rPr>
+              <a:t>ローカル型</a:t>
+            </a:r>
+          </a:p>
+        </p:txBody>
+      </p:sp>
+      <p:sp>
+        <p:nvSpPr>
+          <p:cNvPr id="73" name="テキスト ボックス 72">
+            <a:extLst>
+              <a:ext uri="{FF2B5EF4-FFF2-40B4-BE49-F238E27FC236}">
+                <a16:creationId xmlns:a16="http://schemas.microsoft.com/office/drawing/2014/main" id="{D5DF4479-B49B-4956-B92D-5D4DA7BD7A73}"/>
+              </a:ext>
+            </a:extLst>
+          </p:cNvPr>
+          <p:cNvSpPr txBox="1"/>
+          <p:nvPr/>
+        </p:nvSpPr>
+        <p:spPr>
+          <a:xfrm>
+            <a:off x="2699792" y="620688"/>
+            <a:ext cx="3570208" cy="461665"/>
+          </a:xfrm>
+          <a:prstGeom prst="rect">
+            <a:avLst/>
+          </a:prstGeom>
+          <a:noFill/>
+        </p:spPr>
+        <p:txBody>
+          <a:bodyPr wrap="none" rtlCol="0">
+            <a:spAutoFit/>
+          </a:bodyPr>
+          <a:lstStyle/>
+          <a:p>
+            <a:r>
+              <a:rPr lang="ja-JP" altLang="en-US" sz="2400">
+                <a:solidFill>
+                  <a:srgbClr val="011893"/>
+                </a:solidFill>
+              </a:rPr>
+              <a:t>クライアント・サーバ</a:t>
+            </a:r>
+            <a:r>
+              <a:rPr kumimoji="1" lang="ja-JP" altLang="en-US" sz="2400">
+                <a:solidFill>
+                  <a:srgbClr val="011893"/>
+                </a:solidFill>
+              </a:rPr>
+              <a:t>型</a:t>
+            </a:r>
+          </a:p>
+        </p:txBody>
+      </p:sp>
+      <p:sp>
+        <p:nvSpPr>
+          <p:cNvPr id="74" name="テキスト ボックス 73">
+            <a:extLst>
+              <a:ext uri="{FF2B5EF4-FFF2-40B4-BE49-F238E27FC236}">
+                <a16:creationId xmlns:a16="http://schemas.microsoft.com/office/drawing/2014/main" id="{34E7767E-16B4-4242-8134-B424ED5F066C}"/>
+              </a:ext>
+            </a:extLst>
+          </p:cNvPr>
+          <p:cNvSpPr txBox="1"/>
+          <p:nvPr/>
+        </p:nvSpPr>
+        <p:spPr>
+          <a:xfrm>
+            <a:off x="6719173" y="620688"/>
+            <a:ext cx="1107996" cy="461665"/>
+          </a:xfrm>
+          <a:prstGeom prst="rect">
+            <a:avLst/>
+          </a:prstGeom>
+          <a:noFill/>
+        </p:spPr>
+        <p:txBody>
+          <a:bodyPr wrap="none" rtlCol="0">
+            <a:spAutoFit/>
+          </a:bodyPr>
+          <a:lstStyle/>
+          <a:p>
+            <a:r>
+              <a:rPr lang="ja-JP" altLang="en-US" sz="2400">
+                <a:solidFill>
+                  <a:srgbClr val="011893"/>
+                </a:solidFill>
+              </a:rPr>
+              <a:t>分散</a:t>
+            </a:r>
+            <a:r>
+              <a:rPr kumimoji="1" lang="ja-JP" altLang="en-US" sz="2400">
+                <a:solidFill>
+                  <a:srgbClr val="011893"/>
+                </a:solidFill>
+              </a:rPr>
+              <a:t>型</a:t>
+            </a:r>
+          </a:p>
+        </p:txBody>
+      </p:sp>
+      <p:sp>
+        <p:nvSpPr>
+          <p:cNvPr id="47" name="テキスト ボックス 46">
+            <a:extLst>
+              <a:ext uri="{FF2B5EF4-FFF2-40B4-BE49-F238E27FC236}">
+                <a16:creationId xmlns:a16="http://schemas.microsoft.com/office/drawing/2014/main" id="{F5491D66-B610-471C-925A-50D15D23EA69}"/>
+              </a:ext>
+            </a:extLst>
+          </p:cNvPr>
+          <p:cNvSpPr txBox="1"/>
+          <p:nvPr/>
+        </p:nvSpPr>
+        <p:spPr>
+          <a:xfrm>
+            <a:off x="395536" y="1311151"/>
+            <a:ext cx="1877117" cy="461665"/>
+          </a:xfrm>
+          <a:prstGeom prst="rect">
+            <a:avLst/>
+          </a:prstGeom>
+          <a:noFill/>
+        </p:spPr>
+        <p:txBody>
+          <a:bodyPr wrap="none" rtlCol="0">
+            <a:spAutoFit/>
+          </a:bodyPr>
+          <a:lstStyle/>
+          <a:p>
+            <a:r>
+              <a:rPr kumimoji="1" lang="en-US" altLang="ja-JP" sz="2400"/>
+              <a:t>SCCS, RCS</a:t>
+            </a:r>
+            <a:r>
+              <a:rPr kumimoji="1" lang="ja-JP" altLang="en-US" sz="2400"/>
+              <a:t>等</a:t>
+            </a:r>
+          </a:p>
+        </p:txBody>
+      </p:sp>
+      <p:sp>
+        <p:nvSpPr>
+          <p:cNvPr id="76" name="テキスト ボックス 75">
+            <a:extLst>
+              <a:ext uri="{FF2B5EF4-FFF2-40B4-BE49-F238E27FC236}">
+                <a16:creationId xmlns:a16="http://schemas.microsoft.com/office/drawing/2014/main" id="{CCDC81C6-081D-4A32-BEE0-9CB73808E5D7}"/>
+              </a:ext>
+            </a:extLst>
+          </p:cNvPr>
+          <p:cNvSpPr txBox="1"/>
+          <p:nvPr/>
+        </p:nvSpPr>
+        <p:spPr>
+          <a:xfrm>
+            <a:off x="2926939" y="1311151"/>
+            <a:ext cx="2515369" cy="461665"/>
+          </a:xfrm>
+          <a:prstGeom prst="rect">
+            <a:avLst/>
+          </a:prstGeom>
+          <a:noFill/>
+        </p:spPr>
+        <p:txBody>
+          <a:bodyPr wrap="none" rtlCol="0">
+            <a:spAutoFit/>
+          </a:bodyPr>
+          <a:lstStyle/>
+          <a:p>
+            <a:r>
+              <a:rPr kumimoji="1" lang="en-US" altLang="ja-JP" sz="2400"/>
+              <a:t>CVS, Subversion</a:t>
+            </a:r>
+            <a:r>
+              <a:rPr kumimoji="1" lang="ja-JP" altLang="en-US" sz="2400"/>
+              <a:t>等</a:t>
+            </a:r>
+          </a:p>
+        </p:txBody>
+      </p:sp>
+      <p:sp>
+        <p:nvSpPr>
+          <p:cNvPr id="77" name="テキスト ボックス 76">
+            <a:extLst>
+              <a:ext uri="{FF2B5EF4-FFF2-40B4-BE49-F238E27FC236}">
+                <a16:creationId xmlns:a16="http://schemas.microsoft.com/office/drawing/2014/main" id="{BEA0D071-422C-4F9B-AC88-68EC0A75D725}"/>
+              </a:ext>
+            </a:extLst>
+          </p:cNvPr>
+          <p:cNvSpPr txBox="1"/>
+          <p:nvPr/>
+        </p:nvSpPr>
+        <p:spPr>
+          <a:xfrm>
+            <a:off x="6228184" y="1311151"/>
+            <a:ext cx="2190023" cy="461665"/>
+          </a:xfrm>
+          <a:prstGeom prst="rect">
+            <a:avLst/>
+          </a:prstGeom>
+          <a:noFill/>
+        </p:spPr>
+        <p:txBody>
+          <a:bodyPr wrap="none" rtlCol="0">
+            <a:spAutoFit/>
+          </a:bodyPr>
+          <a:lstStyle/>
+          <a:p>
+            <a:r>
+              <a:rPr kumimoji="1" lang="en-US" altLang="ja-JP" sz="2400"/>
+              <a:t>Mercurial, Git</a:t>
+            </a:r>
+            <a:r>
+              <a:rPr kumimoji="1" lang="ja-JP" altLang="en-US" sz="2400"/>
+              <a:t>等</a:t>
+            </a:r>
+          </a:p>
+        </p:txBody>
+      </p:sp>
+    </p:spTree>
+    <p:extLst>
+      <p:ext uri="{BB962C8B-B14F-4D97-AF65-F5344CB8AC3E}">
+        <p14:creationId xmlns:p14="http://schemas.microsoft.com/office/powerpoint/2010/main" val="2632569075"/>
+      </p:ext>
+    </p:extLst>
+  </p:cSld>
+  <p:clrMapOvr>
+    <a:masterClrMapping/>
+  </p:clrMapOvr>
+</p:sld>
+</file>
+
 <file path=ppt/theme/theme1.xml><?xml version="1.0" encoding="utf-8"?>
 <a:theme xmlns:a="http://schemas.openxmlformats.org/drawingml/2006/main" name="Office テーマ">
   <a:themeElements>
